--- a/prezentace/1. ročník/04 - hardware.pptx
+++ b/prezentace/1. ročník/04 - hardware.pptx
@@ -5,7 +5,7 @@
     <p:sldMasterId id="2147483660" r:id="rId4"/>
   </p:sldMasterIdLst>
   <p:notesMasterIdLst>
-    <p:notesMasterId r:id="rId13"/>
+    <p:notesMasterId r:id="rId18"/>
   </p:notesMasterIdLst>
   <p:sldIdLst>
     <p:sldId id="256" r:id="rId5"/>
@@ -16,6 +16,11 @@
     <p:sldId id="261" r:id="rId10"/>
     <p:sldId id="262" r:id="rId11"/>
     <p:sldId id="263" r:id="rId12"/>
+    <p:sldId id="264" r:id="rId13"/>
+    <p:sldId id="265" r:id="rId14"/>
+    <p:sldId id="266" r:id="rId15"/>
+    <p:sldId id="267" r:id="rId16"/>
+    <p:sldId id="268" r:id="rId17"/>
   </p:sldIdLst>
   <p:sldSz cx="12192000" cy="6858000"/>
   <p:notesSz cx="6858000" cy="9144000"/>
@@ -122,6 +127,444 @@
 </p:presentation>
 </file>
 
+<file path=ppt/revisionInfo.xml><?xml version="1.0" encoding="utf-8"?>
+<p1510:revInfo xmlns:a="http://schemas.openxmlformats.org/drawingml/2006/main" xmlns:r="http://schemas.openxmlformats.org/officeDocument/2006/relationships" xmlns:p1510="http://schemas.microsoft.com/office/powerpoint/2015/10/main">
+  <p1510:revLst>
+    <p1510:client id="{2BCE8443-6695-4198-A7CA-A4004412CCE5}" v="217" dt="2025-11-02T08:01:58.956"/>
+  </p1510:revLst>
+</p1510:revInfo>
+</file>
+
+<file path=ppt/changesInfos/changesInfo1.xml><?xml version="1.0" encoding="utf-8"?>
+<pc:chgInfo xmlns:a="http://schemas.openxmlformats.org/drawingml/2006/main" xmlns:r="http://schemas.openxmlformats.org/officeDocument/2006/relationships" xmlns:ac="http://schemas.microsoft.com/office/drawing/2013/main/command" xmlns:pc="http://schemas.microsoft.com/office/powerpoint/2013/main/command">
+  <pc:docChgLst>
+    <pc:chgData name="Sládeček David" userId="S::sladecek@hradebni.cz::474d93f0-3a32-49cc-b837-47806091b590" providerId="AD" clId="Web-{11A3271D-E74D-4319-9E1D-44BB654A8D71}"/>
+    <pc:docChg chg="addSld delSld modSld">
+      <pc:chgData name="Sládeček David" userId="S::sladecek@hradebni.cz::474d93f0-3a32-49cc-b837-47806091b590" providerId="AD" clId="Web-{11A3271D-E74D-4319-9E1D-44BB654A8D71}" dt="2025-10-21T18:36:33.617" v="1247"/>
+      <pc:docMkLst>
+        <pc:docMk/>
+      </pc:docMkLst>
+      <pc:sldChg chg="addSp delSp modSp mod setBg">
+        <pc:chgData name="Sládeček David" userId="S::sladecek@hradebni.cz::474d93f0-3a32-49cc-b837-47806091b590" providerId="AD" clId="Web-{11A3271D-E74D-4319-9E1D-44BB654A8D71}" dt="2025-10-21T17:53:29.837" v="111" actId="20577"/>
+        <pc:sldMkLst>
+          <pc:docMk/>
+          <pc:sldMk cId="1736941475" sldId="261"/>
+        </pc:sldMkLst>
+        <pc:spChg chg="mod">
+          <ac:chgData name="Sládeček David" userId="S::sladecek@hradebni.cz::474d93f0-3a32-49cc-b837-47806091b590" providerId="AD" clId="Web-{11A3271D-E74D-4319-9E1D-44BB654A8D71}" dt="2025-10-21T17:53:02.602" v="105"/>
+          <ac:spMkLst>
+            <pc:docMk/>
+            <pc:sldMk cId="1736941475" sldId="261"/>
+            <ac:spMk id="2" creationId="{1BFC3ECA-D68E-BF0A-016F-447DD6E6A3A1}"/>
+          </ac:spMkLst>
+        </pc:spChg>
+        <pc:spChg chg="mod ord">
+          <ac:chgData name="Sládeček David" userId="S::sladecek@hradebni.cz::474d93f0-3a32-49cc-b837-47806091b590" providerId="AD" clId="Web-{11A3271D-E74D-4319-9E1D-44BB654A8D71}" dt="2025-10-21T17:53:29.837" v="111" actId="20577"/>
+          <ac:spMkLst>
+            <pc:docMk/>
+            <pc:sldMk cId="1736941475" sldId="261"/>
+            <ac:spMk id="3" creationId="{EF0D0543-0F6A-9045-72F2-F68A837BEA9E}"/>
+          </ac:spMkLst>
+        </pc:spChg>
+        <pc:picChg chg="add mod">
+          <ac:chgData name="Sládeček David" userId="S::sladecek@hradebni.cz::474d93f0-3a32-49cc-b837-47806091b590" providerId="AD" clId="Web-{11A3271D-E74D-4319-9E1D-44BB654A8D71}" dt="2025-10-21T17:53:02.602" v="105"/>
+          <ac:picMkLst>
+            <pc:docMk/>
+            <pc:sldMk cId="1736941475" sldId="261"/>
+            <ac:picMk id="4" creationId="{31797625-8E33-D643-FF29-75BA201B73E4}"/>
+          </ac:picMkLst>
+        </pc:picChg>
+      </pc:sldChg>
+      <pc:sldChg chg="addSp delSp modSp mod setBg">
+        <pc:chgData name="Sládeček David" userId="S::sladecek@hradebni.cz::474d93f0-3a32-49cc-b837-47806091b590" providerId="AD" clId="Web-{11A3271D-E74D-4319-9E1D-44BB654A8D71}" dt="2025-10-21T17:57:04.295" v="160" actId="20577"/>
+        <pc:sldMkLst>
+          <pc:docMk/>
+          <pc:sldMk cId="3301259840" sldId="262"/>
+        </pc:sldMkLst>
+        <pc:spChg chg="mod">
+          <ac:chgData name="Sládeček David" userId="S::sladecek@hradebni.cz::474d93f0-3a32-49cc-b837-47806091b590" providerId="AD" clId="Web-{11A3271D-E74D-4319-9E1D-44BB654A8D71}" dt="2025-10-21T17:53:37.603" v="113" actId="20577"/>
+          <ac:spMkLst>
+            <pc:docMk/>
+            <pc:sldMk cId="3301259840" sldId="262"/>
+            <ac:spMk id="2" creationId="{00000000-0000-0000-0000-000000000000}"/>
+          </ac:spMkLst>
+        </pc:spChg>
+        <pc:spChg chg="mod ord">
+          <ac:chgData name="Sládeček David" userId="S::sladecek@hradebni.cz::474d93f0-3a32-49cc-b837-47806091b590" providerId="AD" clId="Web-{11A3271D-E74D-4319-9E1D-44BB654A8D71}" dt="2025-10-21T17:53:33.759" v="112"/>
+          <ac:spMkLst>
+            <pc:docMk/>
+            <pc:sldMk cId="3301259840" sldId="262"/>
+            <ac:spMk id="3" creationId="{00000000-0000-0000-0000-000000000000}"/>
+          </ac:spMkLst>
+        </pc:spChg>
+        <pc:spChg chg="add mod">
+          <ac:chgData name="Sládeček David" userId="S::sladecek@hradebni.cz::474d93f0-3a32-49cc-b837-47806091b590" providerId="AD" clId="Web-{11A3271D-E74D-4319-9E1D-44BB654A8D71}" dt="2025-10-21T17:57:04.295" v="160" actId="20577"/>
+          <ac:spMkLst>
+            <pc:docMk/>
+            <pc:sldMk cId="3301259840" sldId="262"/>
+            <ac:spMk id="6" creationId="{22921305-BDCB-98B4-4EC3-CB77A9FE0B5F}"/>
+          </ac:spMkLst>
+        </pc:spChg>
+        <pc:spChg chg="add">
+          <ac:chgData name="Sládeček David" userId="S::sladecek@hradebni.cz::474d93f0-3a32-49cc-b837-47806091b590" providerId="AD" clId="Web-{11A3271D-E74D-4319-9E1D-44BB654A8D71}" dt="2025-10-21T17:53:33.759" v="112"/>
+          <ac:spMkLst>
+            <pc:docMk/>
+            <pc:sldMk cId="3301259840" sldId="262"/>
+            <ac:spMk id="10" creationId="{284B70D5-875B-433D-BDBD-1522A85D6C1D}"/>
+          </ac:spMkLst>
+        </pc:spChg>
+        <pc:spChg chg="add">
+          <ac:chgData name="Sládeček David" userId="S::sladecek@hradebni.cz::474d93f0-3a32-49cc-b837-47806091b590" providerId="AD" clId="Web-{11A3271D-E74D-4319-9E1D-44BB654A8D71}" dt="2025-10-21T17:53:33.759" v="112"/>
+          <ac:spMkLst>
+            <pc:docMk/>
+            <pc:sldMk cId="3301259840" sldId="262"/>
+            <ac:spMk id="14" creationId="{1E299956-A9E7-4FC1-A0B1-D590CA9730E8}"/>
+          </ac:spMkLst>
+        </pc:spChg>
+        <pc:spChg chg="add">
+          <ac:chgData name="Sládeček David" userId="S::sladecek@hradebni.cz::474d93f0-3a32-49cc-b837-47806091b590" providerId="AD" clId="Web-{11A3271D-E74D-4319-9E1D-44BB654A8D71}" dt="2025-10-21T17:53:33.759" v="112"/>
+          <ac:spMkLst>
+            <pc:docMk/>
+            <pc:sldMk cId="3301259840" sldId="262"/>
+            <ac:spMk id="16" creationId="{17FC539C-B783-4B03-9F9E-D13430F3F64F}"/>
+          </ac:spMkLst>
+        </pc:spChg>
+        <pc:picChg chg="mod">
+          <ac:chgData name="Sládeček David" userId="S::sladecek@hradebni.cz::474d93f0-3a32-49cc-b837-47806091b590" providerId="AD" clId="Web-{11A3271D-E74D-4319-9E1D-44BB654A8D71}" dt="2025-10-21T17:53:33.759" v="112"/>
+          <ac:picMkLst>
+            <pc:docMk/>
+            <pc:sldMk cId="3301259840" sldId="262"/>
+            <ac:picMk id="5" creationId="{00000000-0000-0000-0000-000000000000}"/>
+          </ac:picMkLst>
+        </pc:picChg>
+        <pc:cxnChg chg="add">
+          <ac:chgData name="Sládeček David" userId="S::sladecek@hradebni.cz::474d93f0-3a32-49cc-b837-47806091b590" providerId="AD" clId="Web-{11A3271D-E74D-4319-9E1D-44BB654A8D71}" dt="2025-10-21T17:53:33.759" v="112"/>
+          <ac:cxnSpMkLst>
+            <pc:docMk/>
+            <pc:sldMk cId="3301259840" sldId="262"/>
+            <ac:cxnSpMk id="12" creationId="{C947DF4A-614C-4B4C-8B80-E5B9D8E8CFED}"/>
+          </ac:cxnSpMkLst>
+        </pc:cxnChg>
+      </pc:sldChg>
+      <pc:sldChg chg="addSp delSp modSp mod setBg">
+        <pc:chgData name="Sládeček David" userId="S::sladecek@hradebni.cz::474d93f0-3a32-49cc-b837-47806091b590" providerId="AD" clId="Web-{11A3271D-E74D-4319-9E1D-44BB654A8D71}" dt="2025-10-21T18:05:57.483" v="300"/>
+        <pc:sldMkLst>
+          <pc:docMk/>
+          <pc:sldMk cId="3354684545" sldId="263"/>
+        </pc:sldMkLst>
+        <pc:spChg chg="mod">
+          <ac:chgData name="Sládeček David" userId="S::sladecek@hradebni.cz::474d93f0-3a32-49cc-b837-47806091b590" providerId="AD" clId="Web-{11A3271D-E74D-4319-9E1D-44BB654A8D71}" dt="2025-10-21T18:05:57.483" v="300"/>
+          <ac:spMkLst>
+            <pc:docMk/>
+            <pc:sldMk cId="3354684545" sldId="263"/>
+            <ac:spMk id="2" creationId="{00000000-0000-0000-0000-000000000000}"/>
+          </ac:spMkLst>
+        </pc:spChg>
+        <pc:spChg chg="mod ord">
+          <ac:chgData name="Sládeček David" userId="S::sladecek@hradebni.cz::474d93f0-3a32-49cc-b837-47806091b590" providerId="AD" clId="Web-{11A3271D-E74D-4319-9E1D-44BB654A8D71}" dt="2025-10-21T18:05:57.483" v="300"/>
+          <ac:spMkLst>
+            <pc:docMk/>
+            <pc:sldMk cId="3354684545" sldId="263"/>
+            <ac:spMk id="3" creationId="{00000000-0000-0000-0000-000000000000}"/>
+          </ac:spMkLst>
+        </pc:spChg>
+        <pc:spChg chg="add">
+          <ac:chgData name="Sládeček David" userId="S::sladecek@hradebni.cz::474d93f0-3a32-49cc-b837-47806091b590" providerId="AD" clId="Web-{11A3271D-E74D-4319-9E1D-44BB654A8D71}" dt="2025-10-21T18:05:57.483" v="300"/>
+          <ac:spMkLst>
+            <pc:docMk/>
+            <pc:sldMk cId="3354684545" sldId="263"/>
+            <ac:spMk id="33" creationId="{52ABB703-2B0E-4C3B-B4A2-F3973548E561}"/>
+          </ac:spMkLst>
+        </pc:spChg>
+        <pc:spChg chg="add">
+          <ac:chgData name="Sládeček David" userId="S::sladecek@hradebni.cz::474d93f0-3a32-49cc-b837-47806091b590" providerId="AD" clId="Web-{11A3271D-E74D-4319-9E1D-44BB654A8D71}" dt="2025-10-21T18:05:57.483" v="300"/>
+          <ac:spMkLst>
+            <pc:docMk/>
+            <pc:sldMk cId="3354684545" sldId="263"/>
+            <ac:spMk id="37" creationId="{E95DA498-D9A2-4DA9-B9DA-B3776E08CF7E}"/>
+          </ac:spMkLst>
+        </pc:spChg>
+        <pc:spChg chg="add">
+          <ac:chgData name="Sládeček David" userId="S::sladecek@hradebni.cz::474d93f0-3a32-49cc-b837-47806091b590" providerId="AD" clId="Web-{11A3271D-E74D-4319-9E1D-44BB654A8D71}" dt="2025-10-21T18:05:57.483" v="300"/>
+          <ac:spMkLst>
+            <pc:docMk/>
+            <pc:sldMk cId="3354684545" sldId="263"/>
+            <ac:spMk id="39" creationId="{82A73093-4B9D-420D-B17E-52293703A1D4}"/>
+          </ac:spMkLst>
+        </pc:spChg>
+        <pc:picChg chg="add mod">
+          <ac:chgData name="Sládeček David" userId="S::sladecek@hradebni.cz::474d93f0-3a32-49cc-b837-47806091b590" providerId="AD" clId="Web-{11A3271D-E74D-4319-9E1D-44BB654A8D71}" dt="2025-10-21T18:05:57.483" v="300"/>
+          <ac:picMkLst>
+            <pc:docMk/>
+            <pc:sldMk cId="3354684545" sldId="263"/>
+            <ac:picMk id="19" creationId="{69795C2B-B7FF-4CF6-BA9A-443E463DBB42}"/>
+          </ac:picMkLst>
+        </pc:picChg>
+      </pc:sldChg>
+      <pc:sldChg chg="addSp modSp new mod setBg">
+        <pc:chgData name="Sládeček David" userId="S::sladecek@hradebni.cz::474d93f0-3a32-49cc-b837-47806091b590" providerId="AD" clId="Web-{11A3271D-E74D-4319-9E1D-44BB654A8D71}" dt="2025-10-21T18:11:07.601" v="508" actId="20577"/>
+        <pc:sldMkLst>
+          <pc:docMk/>
+          <pc:sldMk cId="1719289132" sldId="264"/>
+        </pc:sldMkLst>
+        <pc:spChg chg="mod">
+          <ac:chgData name="Sládeček David" userId="S::sladecek@hradebni.cz::474d93f0-3a32-49cc-b837-47806091b590" providerId="AD" clId="Web-{11A3271D-E74D-4319-9E1D-44BB654A8D71}" dt="2025-10-21T18:11:00.179" v="506"/>
+          <ac:spMkLst>
+            <pc:docMk/>
+            <pc:sldMk cId="1719289132" sldId="264"/>
+            <ac:spMk id="2" creationId="{9D86A2A1-F745-5496-D760-681FF1304D75}"/>
+          </ac:spMkLst>
+        </pc:spChg>
+        <pc:spChg chg="mod">
+          <ac:chgData name="Sládeček David" userId="S::sladecek@hradebni.cz::474d93f0-3a32-49cc-b837-47806091b590" providerId="AD" clId="Web-{11A3271D-E74D-4319-9E1D-44BB654A8D71}" dt="2025-10-21T18:11:07.601" v="508" actId="20577"/>
+          <ac:spMkLst>
+            <pc:docMk/>
+            <pc:sldMk cId="1719289132" sldId="264"/>
+            <ac:spMk id="3" creationId="{57B09D1D-4BC9-B4FA-00FC-C659C82BF87E}"/>
+          </ac:spMkLst>
+        </pc:spChg>
+        <pc:spChg chg="add">
+          <ac:chgData name="Sládeček David" userId="S::sladecek@hradebni.cz::474d93f0-3a32-49cc-b837-47806091b590" providerId="AD" clId="Web-{11A3271D-E74D-4319-9E1D-44BB654A8D71}" dt="2025-10-21T18:11:00.179" v="506"/>
+          <ac:spMkLst>
+            <pc:docMk/>
+            <pc:sldMk cId="1719289132" sldId="264"/>
+            <ac:spMk id="9" creationId="{311973C2-EB8B-452A-A698-4A252FD3AE28}"/>
+          </ac:spMkLst>
+        </pc:spChg>
+        <pc:spChg chg="add">
+          <ac:chgData name="Sládeček David" userId="S::sladecek@hradebni.cz::474d93f0-3a32-49cc-b837-47806091b590" providerId="AD" clId="Web-{11A3271D-E74D-4319-9E1D-44BB654A8D71}" dt="2025-10-21T18:11:00.179" v="506"/>
+          <ac:spMkLst>
+            <pc:docMk/>
+            <pc:sldMk cId="1719289132" sldId="264"/>
+            <ac:spMk id="11" creationId="{10162E77-11AD-44A7-84EC-40C59EEFBD2E}"/>
+          </ac:spMkLst>
+        </pc:spChg>
+        <pc:picChg chg="add">
+          <ac:chgData name="Sládeček David" userId="S::sladecek@hradebni.cz::474d93f0-3a32-49cc-b837-47806091b590" providerId="AD" clId="Web-{11A3271D-E74D-4319-9E1D-44BB654A8D71}" dt="2025-10-21T18:11:00.179" v="506"/>
+          <ac:picMkLst>
+            <pc:docMk/>
+            <pc:sldMk cId="1719289132" sldId="264"/>
+            <ac:picMk id="5" creationId="{BFC27C09-A18E-E44F-2C54-1F9093B795EF}"/>
+          </ac:picMkLst>
+        </pc:picChg>
+        <pc:cxnChg chg="add">
+          <ac:chgData name="Sládeček David" userId="S::sladecek@hradebni.cz::474d93f0-3a32-49cc-b837-47806091b590" providerId="AD" clId="Web-{11A3271D-E74D-4319-9E1D-44BB654A8D71}" dt="2025-10-21T18:11:00.179" v="506"/>
+          <ac:cxnSpMkLst>
+            <pc:docMk/>
+            <pc:sldMk cId="1719289132" sldId="264"/>
+            <ac:cxnSpMk id="13" creationId="{5AB158E9-1B40-4CD6-95F0-95CA11DF7B7A}"/>
+          </ac:cxnSpMkLst>
+        </pc:cxnChg>
+      </pc:sldChg>
+      <pc:sldChg chg="addSp delSp modSp new mod setBg modNotes">
+        <pc:chgData name="Sládeček David" userId="S::sladecek@hradebni.cz::474d93f0-3a32-49cc-b837-47806091b590" providerId="AD" clId="Web-{11A3271D-E74D-4319-9E1D-44BB654A8D71}" dt="2025-10-21T18:22:52.796" v="884"/>
+        <pc:sldMkLst>
+          <pc:docMk/>
+          <pc:sldMk cId="1071550909" sldId="265"/>
+        </pc:sldMkLst>
+        <pc:spChg chg="mod">
+          <ac:chgData name="Sládeček David" userId="S::sladecek@hradebni.cz::474d93f0-3a32-49cc-b837-47806091b590" providerId="AD" clId="Web-{11A3271D-E74D-4319-9E1D-44BB654A8D71}" dt="2025-10-21T18:18:40.059" v="820"/>
+          <ac:spMkLst>
+            <pc:docMk/>
+            <pc:sldMk cId="1071550909" sldId="265"/>
+            <ac:spMk id="2" creationId="{F63AC73F-3809-B363-051E-31BF4A6B0AAC}"/>
+          </ac:spMkLst>
+        </pc:spChg>
+        <pc:spChg chg="mod">
+          <ac:chgData name="Sládeček David" userId="S::sladecek@hradebni.cz::474d93f0-3a32-49cc-b837-47806091b590" providerId="AD" clId="Web-{11A3271D-E74D-4319-9E1D-44BB654A8D71}" dt="2025-10-21T18:19:25.840" v="841"/>
+          <ac:spMkLst>
+            <pc:docMk/>
+            <pc:sldMk cId="1071550909" sldId="265"/>
+            <ac:spMk id="3" creationId="{2A8451D5-1EB9-603B-37E3-AAA85D014715}"/>
+          </ac:spMkLst>
+        </pc:spChg>
+        <pc:spChg chg="add">
+          <ac:chgData name="Sládeček David" userId="S::sladecek@hradebni.cz::474d93f0-3a32-49cc-b837-47806091b590" providerId="AD" clId="Web-{11A3271D-E74D-4319-9E1D-44BB654A8D71}" dt="2025-10-21T18:19:25.840" v="841"/>
+          <ac:spMkLst>
+            <pc:docMk/>
+            <pc:sldMk cId="1071550909" sldId="265"/>
+            <ac:spMk id="31" creationId="{C33BF9DD-8A45-4EEE-B231-0A14D322E5F9}"/>
+          </ac:spMkLst>
+        </pc:spChg>
+        <pc:spChg chg="add">
+          <ac:chgData name="Sládeček David" userId="S::sladecek@hradebni.cz::474d93f0-3a32-49cc-b837-47806091b590" providerId="AD" clId="Web-{11A3271D-E74D-4319-9E1D-44BB654A8D71}" dt="2025-10-21T18:19:25.840" v="841"/>
+          <ac:spMkLst>
+            <pc:docMk/>
+            <pc:sldMk cId="1071550909" sldId="265"/>
+            <ac:spMk id="35" creationId="{D5FBCAC9-BD8B-4F3B-AD74-EF37D4211349}"/>
+          </ac:spMkLst>
+        </pc:spChg>
+        <pc:spChg chg="add">
+          <ac:chgData name="Sládeček David" userId="S::sladecek@hradebni.cz::474d93f0-3a32-49cc-b837-47806091b590" providerId="AD" clId="Web-{11A3271D-E74D-4319-9E1D-44BB654A8D71}" dt="2025-10-21T18:19:25.840" v="841"/>
+          <ac:spMkLst>
+            <pc:docMk/>
+            <pc:sldMk cId="1071550909" sldId="265"/>
+            <ac:spMk id="37" creationId="{9556C5A8-AD7E-4CE7-87BE-9EA3B5E1786F}"/>
+          </ac:spMkLst>
+        </pc:spChg>
+        <pc:graphicFrameChg chg="add mod modGraphic">
+          <ac:chgData name="Sládeček David" userId="S::sladecek@hradebni.cz::474d93f0-3a32-49cc-b837-47806091b590" providerId="AD" clId="Web-{11A3271D-E74D-4319-9E1D-44BB654A8D71}" dt="2025-10-21T18:19:25.840" v="841"/>
+          <ac:graphicFrameMkLst>
+            <pc:docMk/>
+            <pc:sldMk cId="1071550909" sldId="265"/>
+            <ac:graphicFrameMk id="4" creationId="{2D07ABC3-BC58-4D8E-738E-8D7653E666D4}"/>
+          </ac:graphicFrameMkLst>
+        </pc:graphicFrameChg>
+        <pc:cxnChg chg="add">
+          <ac:chgData name="Sládeček David" userId="S::sladecek@hradebni.cz::474d93f0-3a32-49cc-b837-47806091b590" providerId="AD" clId="Web-{11A3271D-E74D-4319-9E1D-44BB654A8D71}" dt="2025-10-21T18:19:25.840" v="841"/>
+          <ac:cxnSpMkLst>
+            <pc:docMk/>
+            <pc:sldMk cId="1071550909" sldId="265"/>
+            <ac:cxnSpMk id="33" creationId="{9020DCC9-F851-4562-BB20-1AB3C51BFD08}"/>
+          </ac:cxnSpMkLst>
+        </pc:cxnChg>
+      </pc:sldChg>
+      <pc:sldChg chg="addSp modSp new mod setBg">
+        <pc:chgData name="Sládeček David" userId="S::sladecek@hradebni.cz::474d93f0-3a32-49cc-b837-47806091b590" providerId="AD" clId="Web-{11A3271D-E74D-4319-9E1D-44BB654A8D71}" dt="2025-10-21T18:31:37.501" v="1220"/>
+        <pc:sldMkLst>
+          <pc:docMk/>
+          <pc:sldMk cId="4190888127" sldId="266"/>
+        </pc:sldMkLst>
+        <pc:spChg chg="mod">
+          <ac:chgData name="Sládeček David" userId="S::sladecek@hradebni.cz::474d93f0-3a32-49cc-b837-47806091b590" providerId="AD" clId="Web-{11A3271D-E74D-4319-9E1D-44BB654A8D71}" dt="2025-10-21T18:31:37.501" v="1220"/>
+          <ac:spMkLst>
+            <pc:docMk/>
+            <pc:sldMk cId="4190888127" sldId="266"/>
+            <ac:spMk id="2" creationId="{55244C98-F826-73C3-5720-6F956C6C68BE}"/>
+          </ac:spMkLst>
+        </pc:spChg>
+        <pc:spChg chg="mod ord">
+          <ac:chgData name="Sládeček David" userId="S::sladecek@hradebni.cz::474d93f0-3a32-49cc-b837-47806091b590" providerId="AD" clId="Web-{11A3271D-E74D-4319-9E1D-44BB654A8D71}" dt="2025-10-21T18:31:37.501" v="1220"/>
+          <ac:spMkLst>
+            <pc:docMk/>
+            <pc:sldMk cId="4190888127" sldId="266"/>
+            <ac:spMk id="3" creationId="{D0340D77-A149-F53E-5CB3-54AE85E26C10}"/>
+          </ac:spMkLst>
+        </pc:spChg>
+        <pc:picChg chg="add mod">
+          <ac:chgData name="Sládeček David" userId="S::sladecek@hradebni.cz::474d93f0-3a32-49cc-b837-47806091b590" providerId="AD" clId="Web-{11A3271D-E74D-4319-9E1D-44BB654A8D71}" dt="2025-10-21T18:31:37.501" v="1220"/>
+          <ac:picMkLst>
+            <pc:docMk/>
+            <pc:sldMk cId="4190888127" sldId="266"/>
+            <ac:picMk id="4" creationId="{20ABC415-E9DA-FC42-6292-1169D58DF375}"/>
+          </ac:picMkLst>
+        </pc:picChg>
+      </pc:sldChg>
+      <pc:sldChg chg="addSp modSp new mod setBg">
+        <pc:chgData name="Sládeček David" userId="S::sladecek@hradebni.cz::474d93f0-3a32-49cc-b837-47806091b590" providerId="AD" clId="Web-{11A3271D-E74D-4319-9E1D-44BB654A8D71}" dt="2025-10-21T18:36:33.617" v="1247"/>
+        <pc:sldMkLst>
+          <pc:docMk/>
+          <pc:sldMk cId="1860899900" sldId="267"/>
+        </pc:sldMkLst>
+        <pc:spChg chg="mod">
+          <ac:chgData name="Sládeček David" userId="S::sladecek@hradebni.cz::474d93f0-3a32-49cc-b837-47806091b590" providerId="AD" clId="Web-{11A3271D-E74D-4319-9E1D-44BB654A8D71}" dt="2025-10-21T18:36:33.617" v="1247"/>
+          <ac:spMkLst>
+            <pc:docMk/>
+            <pc:sldMk cId="1860899900" sldId="267"/>
+            <ac:spMk id="2" creationId="{3C863C8B-AAC7-4916-2917-D20A12716914}"/>
+          </ac:spMkLst>
+        </pc:spChg>
+        <pc:spChg chg="mod ord">
+          <ac:chgData name="Sládeček David" userId="S::sladecek@hradebni.cz::474d93f0-3a32-49cc-b837-47806091b590" providerId="AD" clId="Web-{11A3271D-E74D-4319-9E1D-44BB654A8D71}" dt="2025-10-21T18:36:33.617" v="1247"/>
+          <ac:spMkLst>
+            <pc:docMk/>
+            <pc:sldMk cId="1860899900" sldId="267"/>
+            <ac:spMk id="3" creationId="{585F7D7C-A384-F836-CFE1-45321FFEFECA}"/>
+          </ac:spMkLst>
+        </pc:spChg>
+        <pc:spChg chg="add">
+          <ac:chgData name="Sládeček David" userId="S::sladecek@hradebni.cz::474d93f0-3a32-49cc-b837-47806091b590" providerId="AD" clId="Web-{11A3271D-E74D-4319-9E1D-44BB654A8D71}" dt="2025-10-21T18:36:33.617" v="1247"/>
+          <ac:spMkLst>
+            <pc:docMk/>
+            <pc:sldMk cId="1860899900" sldId="267"/>
+            <ac:spMk id="9" creationId="{284B70D5-875B-433D-BDBD-1522A85D6C1D}"/>
+          </ac:spMkLst>
+        </pc:spChg>
+        <pc:spChg chg="add">
+          <ac:chgData name="Sládeček David" userId="S::sladecek@hradebni.cz::474d93f0-3a32-49cc-b837-47806091b590" providerId="AD" clId="Web-{11A3271D-E74D-4319-9E1D-44BB654A8D71}" dt="2025-10-21T18:36:33.617" v="1247"/>
+          <ac:spMkLst>
+            <pc:docMk/>
+            <pc:sldMk cId="1860899900" sldId="267"/>
+            <ac:spMk id="13" creationId="{1E299956-A9E7-4FC1-A0B1-D590CA9730E8}"/>
+          </ac:spMkLst>
+        </pc:spChg>
+        <pc:spChg chg="add">
+          <ac:chgData name="Sládeček David" userId="S::sladecek@hradebni.cz::474d93f0-3a32-49cc-b837-47806091b590" providerId="AD" clId="Web-{11A3271D-E74D-4319-9E1D-44BB654A8D71}" dt="2025-10-21T18:36:33.617" v="1247"/>
+          <ac:spMkLst>
+            <pc:docMk/>
+            <pc:sldMk cId="1860899900" sldId="267"/>
+            <ac:spMk id="15" creationId="{17FC539C-B783-4B03-9F9E-D13430F3F64F}"/>
+          </ac:spMkLst>
+        </pc:spChg>
+        <pc:picChg chg="add mod">
+          <ac:chgData name="Sládeček David" userId="S::sladecek@hradebni.cz::474d93f0-3a32-49cc-b837-47806091b590" providerId="AD" clId="Web-{11A3271D-E74D-4319-9E1D-44BB654A8D71}" dt="2025-10-21T18:36:33.617" v="1247"/>
+          <ac:picMkLst>
+            <pc:docMk/>
+            <pc:sldMk cId="1860899900" sldId="267"/>
+            <ac:picMk id="4" creationId="{ECB2CA6C-BF7C-65B6-0A9F-694346727D7F}"/>
+          </ac:picMkLst>
+        </pc:picChg>
+        <pc:cxnChg chg="add">
+          <ac:chgData name="Sládeček David" userId="S::sladecek@hradebni.cz::474d93f0-3a32-49cc-b837-47806091b590" providerId="AD" clId="Web-{11A3271D-E74D-4319-9E1D-44BB654A8D71}" dt="2025-10-21T18:36:33.617" v="1247"/>
+          <ac:cxnSpMkLst>
+            <pc:docMk/>
+            <pc:sldMk cId="1860899900" sldId="267"/>
+            <ac:cxnSpMk id="11" creationId="{C947DF4A-614C-4B4C-8B80-E5B9D8E8CFED}"/>
+          </ac:cxnSpMkLst>
+        </pc:cxnChg>
+      </pc:sldChg>
+    </pc:docChg>
+  </pc:docChgLst>
+  <pc:docChgLst>
+    <pc:chgData name="Sládeček David" userId="S::sladecek@hradebni.cz::474d93f0-3a32-49cc-b837-47806091b590" providerId="AD" clId="Web-{2BCE8443-6695-4198-A7CA-A4004412CCE5}"/>
+    <pc:docChg chg="addSld modSld">
+      <pc:chgData name="Sládeček David" userId="S::sladecek@hradebni.cz::474d93f0-3a32-49cc-b837-47806091b590" providerId="AD" clId="Web-{2BCE8443-6695-4198-A7CA-A4004412CCE5}" dt="2025-11-02T08:01:58.956" v="216" actId="20577"/>
+      <pc:docMkLst>
+        <pc:docMk/>
+      </pc:docMkLst>
+      <pc:sldChg chg="modNotes">
+        <pc:chgData name="Sládeček David" userId="S::sladecek@hradebni.cz::474d93f0-3a32-49cc-b837-47806091b590" providerId="AD" clId="Web-{2BCE8443-6695-4198-A7CA-A4004412CCE5}" dt="2025-11-02T07:52:43.899" v="2"/>
+        <pc:sldMkLst>
+          <pc:docMk/>
+          <pc:sldMk cId="1719289132" sldId="264"/>
+        </pc:sldMkLst>
+      </pc:sldChg>
+      <pc:sldChg chg="addSp delSp modSp new mod setBg">
+        <pc:chgData name="Sládeček David" userId="S::sladecek@hradebni.cz::474d93f0-3a32-49cc-b837-47806091b590" providerId="AD" clId="Web-{2BCE8443-6695-4198-A7CA-A4004412CCE5}" dt="2025-11-02T08:01:58.956" v="216" actId="20577"/>
+        <pc:sldMkLst>
+          <pc:docMk/>
+          <pc:sldMk cId="714891676" sldId="268"/>
+        </pc:sldMkLst>
+        <pc:spChg chg="mod">
+          <ac:chgData name="Sládeček David" userId="S::sladecek@hradebni.cz::474d93f0-3a32-49cc-b837-47806091b590" providerId="AD" clId="Web-{2BCE8443-6695-4198-A7CA-A4004412CCE5}" dt="2025-11-02T08:01:46.564" v="215"/>
+          <ac:spMkLst>
+            <pc:docMk/>
+            <pc:sldMk cId="714891676" sldId="268"/>
+            <ac:spMk id="2" creationId="{0C0C02E3-A5B8-9664-0D05-D6BCD07491CA}"/>
+          </ac:spMkLst>
+        </pc:spChg>
+        <pc:spChg chg="mod">
+          <ac:chgData name="Sládeček David" userId="S::sladecek@hradebni.cz::474d93f0-3a32-49cc-b837-47806091b590" providerId="AD" clId="Web-{2BCE8443-6695-4198-A7CA-A4004412CCE5}" dt="2025-11-02T08:01:58.956" v="216" actId="20577"/>
+          <ac:spMkLst>
+            <pc:docMk/>
+            <pc:sldMk cId="714891676" sldId="268"/>
+            <ac:spMk id="3" creationId="{8C9B84A0-255D-C885-F0DC-265B42741C9A}"/>
+          </ac:spMkLst>
+        </pc:spChg>
+        <pc:picChg chg="add del">
+          <ac:chgData name="Sládeček David" userId="S::sladecek@hradebni.cz::474d93f0-3a32-49cc-b837-47806091b590" providerId="AD" clId="Web-{2BCE8443-6695-4198-A7CA-A4004412CCE5}" dt="2025-11-02T08:01:46.564" v="215"/>
+          <ac:picMkLst>
+            <pc:docMk/>
+            <pc:sldMk cId="714891676" sldId="268"/>
+            <ac:picMk id="7" creationId="{93DEEB1A-69B8-1524-3839-5CA6A95EE739}"/>
+          </ac:picMkLst>
+        </pc:picChg>
+      </pc:sldChg>
+    </pc:docChg>
+  </pc:docChgLst>
+</pc:chgInfo>
+</file>
+
 <file path=ppt/notesMasters/notesMaster1.xml><?xml version="1.0" encoding="utf-8"?>
 <p:notesMaster xmlns:a="http://schemas.openxmlformats.org/drawingml/2006/main" xmlns:r="http://schemas.openxmlformats.org/officeDocument/2006/relationships" xmlns:p="http://schemas.openxmlformats.org/presentationml/2006/main">
   <p:cSld>
@@ -204,7 +647,7 @@
           <a:p>
             <a:fld id="{DD1C0AFD-19C8-4F60-A212-D1160A075A71}" type="datetimeFigureOut">
               <a:rPr lang="cs-CZ" smtClean="0"/>
-              <a:t>20.10.2025</a:t>
+              <a:t>02.11.2025</a:t>
             </a:fld>
             <a:endParaRPr lang="cs-CZ"/>
           </a:p>
@@ -732,6 +1175,269 @@
 </p:notes>
 </file>
 
+<file path=ppt/notesSlides/notesSlide4.xml><?xml version="1.0" encoding="utf-8"?>
+<p:notes xmlns:a="http://schemas.openxmlformats.org/drawingml/2006/main" xmlns:r="http://schemas.openxmlformats.org/officeDocument/2006/relationships" xmlns:p="http://schemas.openxmlformats.org/presentationml/2006/main">
+  <p:cSld>
+    <p:spTree>
+      <p:nvGrpSpPr>
+        <p:cNvPr id="1" name=""/>
+        <p:cNvGrpSpPr/>
+        <p:nvPr/>
+      </p:nvGrpSpPr>
+      <p:grpSpPr>
+        <a:xfrm>
+          <a:off x="0" y="0"/>
+          <a:ext cx="0" cy="0"/>
+          <a:chOff x="0" y="0"/>
+          <a:chExt cx="0" cy="0"/>
+        </a:xfrm>
+      </p:grpSpPr>
+      <p:sp>
+        <p:nvSpPr>
+          <p:cNvPr id="2" name="Zástupný symbol pro obrázek snímku 1"/>
+          <p:cNvSpPr>
+            <a:spLocks noGrp="1" noRot="1" noChangeAspect="1"/>
+          </p:cNvSpPr>
+          <p:nvPr>
+            <p:ph type="sldImg"/>
+          </p:nvPr>
+        </p:nvSpPr>
+        <p:spPr/>
+      </p:sp>
+      <p:sp>
+        <p:nvSpPr>
+          <p:cNvPr id="3" name="Zástupný symbol pro poznámky 2"/>
+          <p:cNvSpPr>
+            <a:spLocks noGrp="1"/>
+          </p:cNvSpPr>
+          <p:nvPr>
+            <p:ph type="body" idx="1"/>
+          </p:nvPr>
+        </p:nvSpPr>
+        <p:spPr/>
+        <p:txBody>
+          <a:bodyPr/>
+          <a:lstStyle/>
+          <a:p>
+            <a:r>
+              <a:rPr lang="en-US" err="1"/>
+              <a:t>Telefony</a:t>
+            </a:r>
+            <a:r>
+              <a:rPr lang="en-US" dirty="0"/>
+              <a:t> </a:t>
+            </a:r>
+            <a:r>
+              <a:rPr lang="en-US" err="1"/>
+              <a:t>potřebují</a:t>
+            </a:r>
+            <a:r>
+              <a:rPr lang="en-US" dirty="0"/>
+              <a:t> </a:t>
+            </a:r>
+            <a:r>
+              <a:rPr lang="en-US" err="1"/>
+              <a:t>úspornost</a:t>
+            </a:r>
+            <a:r>
+              <a:rPr lang="en-US" dirty="0"/>
+              <a:t> (RISC), PC </a:t>
+            </a:r>
+            <a:r>
+              <a:rPr lang="en-US" err="1"/>
+              <a:t>výkon</a:t>
+            </a:r>
+            <a:r>
+              <a:rPr lang="en-US" dirty="0"/>
+              <a:t> a </a:t>
+            </a:r>
+            <a:r>
+              <a:rPr lang="en-US" err="1"/>
+              <a:t>kompatibilitu</a:t>
+            </a:r>
+            <a:r>
+              <a:rPr lang="en-US" dirty="0"/>
+              <a:t> (CISC).</a:t>
+            </a:r>
+            <a:endParaRPr lang="cs-CZ" dirty="0"/>
+          </a:p>
+        </p:txBody>
+      </p:sp>
+      <p:sp>
+        <p:nvSpPr>
+          <p:cNvPr id="4" name="Zástupný symbol pro číslo snímku 3"/>
+          <p:cNvSpPr>
+            <a:spLocks noGrp="1"/>
+          </p:cNvSpPr>
+          <p:nvPr>
+            <p:ph type="sldNum" sz="quarter" idx="5"/>
+          </p:nvPr>
+        </p:nvSpPr>
+        <p:spPr/>
+        <p:txBody>
+          <a:bodyPr/>
+          <a:lstStyle/>
+          <a:p>
+            <a:fld id="{C10485B9-29E6-4048-95BB-71D43105C69A}" type="slidenum">
+              <a:rPr lang="cs-CZ" smtClean="0"/>
+              <a:t>9</a:t>
+            </a:fld>
+            <a:endParaRPr lang="cs-CZ"/>
+          </a:p>
+        </p:txBody>
+      </p:sp>
+    </p:spTree>
+    <p:extLst>
+      <p:ext uri="{BB962C8B-B14F-4D97-AF65-F5344CB8AC3E}">
+        <p14:creationId xmlns:p14="http://schemas.microsoft.com/office/powerpoint/2010/main" val="1735033751"/>
+      </p:ext>
+    </p:extLst>
+  </p:cSld>
+  <p:clrMapOvr>
+    <a:masterClrMapping/>
+  </p:clrMapOvr>
+</p:notes>
+</file>
+
+<file path=ppt/notesSlides/notesSlide5.xml><?xml version="1.0" encoding="utf-8"?>
+<p:notes xmlns:a="http://schemas.openxmlformats.org/drawingml/2006/main" xmlns:r="http://schemas.openxmlformats.org/officeDocument/2006/relationships" xmlns:p="http://schemas.openxmlformats.org/presentationml/2006/main">
+  <p:cSld>
+    <p:spTree>
+      <p:nvGrpSpPr>
+        <p:cNvPr id="1" name=""/>
+        <p:cNvGrpSpPr/>
+        <p:nvPr/>
+      </p:nvGrpSpPr>
+      <p:grpSpPr>
+        <a:xfrm>
+          <a:off x="0" y="0"/>
+          <a:ext cx="0" cy="0"/>
+          <a:chOff x="0" y="0"/>
+          <a:chExt cx="0" cy="0"/>
+        </a:xfrm>
+      </p:grpSpPr>
+      <p:sp>
+        <p:nvSpPr>
+          <p:cNvPr id="2" name="Zástupný symbol pro obrázek snímku 1"/>
+          <p:cNvSpPr>
+            <a:spLocks noGrp="1" noRot="1" noChangeAspect="1"/>
+          </p:cNvSpPr>
+          <p:nvPr>
+            <p:ph type="sldImg"/>
+          </p:nvPr>
+        </p:nvSpPr>
+        <p:spPr/>
+      </p:sp>
+      <p:sp>
+        <p:nvSpPr>
+          <p:cNvPr id="3" name="Zástupný symbol pro poznámky 2"/>
+          <p:cNvSpPr>
+            <a:spLocks noGrp="1"/>
+          </p:cNvSpPr>
+          <p:nvPr>
+            <p:ph type="body" idx="1"/>
+          </p:nvPr>
+        </p:nvSpPr>
+        <p:spPr/>
+        <p:txBody>
+          <a:bodyPr/>
+          <a:lstStyle/>
+          <a:p>
+            <a:r>
+              <a:rPr lang="en-US" dirty="0" err="1">
+                <a:latin typeface="Calibri"/>
+                <a:ea typeface="Calibri"/>
+                <a:cs typeface="Calibri"/>
+              </a:rPr>
+              <a:t>Ukázat</a:t>
+            </a:r>
+            <a:r>
+              <a:rPr lang="en-US" dirty="0">
+                <a:latin typeface="Calibri"/>
+                <a:ea typeface="Calibri"/>
+                <a:cs typeface="Calibri"/>
+              </a:rPr>
+              <a:t> </a:t>
+            </a:r>
+            <a:r>
+              <a:rPr lang="en-US" dirty="0" err="1">
+                <a:latin typeface="Calibri"/>
+                <a:ea typeface="Calibri"/>
+                <a:cs typeface="Calibri"/>
+              </a:rPr>
+              <a:t>převody</a:t>
+            </a:r>
+            <a:r>
+              <a:rPr lang="en-US" dirty="0">
+                <a:latin typeface="Calibri"/>
+                <a:ea typeface="Calibri"/>
+                <a:cs typeface="Calibri"/>
+              </a:rPr>
+              <a:t> </a:t>
+            </a:r>
+            <a:r>
+              <a:rPr lang="en-US" dirty="0" err="1">
+                <a:latin typeface="Calibri"/>
+                <a:ea typeface="Calibri"/>
+                <a:cs typeface="Calibri"/>
+              </a:rPr>
+              <a:t>mezi</a:t>
+            </a:r>
+            <a:r>
+              <a:rPr lang="en-US" dirty="0">
+                <a:latin typeface="Calibri"/>
+                <a:ea typeface="Calibri"/>
+                <a:cs typeface="Calibri"/>
+              </a:rPr>
+              <a:t> </a:t>
+            </a:r>
+            <a:r>
+              <a:rPr lang="en-US" dirty="0" err="1">
+                <a:latin typeface="Calibri"/>
+                <a:ea typeface="Calibri"/>
+                <a:cs typeface="Calibri"/>
+              </a:rPr>
+              <a:t>jednotkami</a:t>
+            </a:r>
+          </a:p>
+        </p:txBody>
+      </p:sp>
+      <p:sp>
+        <p:nvSpPr>
+          <p:cNvPr id="4" name="Zástupný symbol pro číslo snímku 3"/>
+          <p:cNvSpPr>
+            <a:spLocks noGrp="1"/>
+          </p:cNvSpPr>
+          <p:nvPr>
+            <p:ph type="sldNum" sz="quarter" idx="5"/>
+          </p:nvPr>
+        </p:nvSpPr>
+        <p:spPr/>
+        <p:txBody>
+          <a:bodyPr/>
+          <a:lstStyle/>
+          <a:p>
+            <a:fld id="{C10485B9-29E6-4048-95BB-71D43105C69A}" type="slidenum">
+              <a:rPr lang="cs-CZ" smtClean="0"/>
+              <a:t>10</a:t>
+            </a:fld>
+            <a:endParaRPr lang="cs-CZ"/>
+          </a:p>
+        </p:txBody>
+      </p:sp>
+    </p:spTree>
+    <p:extLst>
+      <p:ext uri="{BB962C8B-B14F-4D97-AF65-F5344CB8AC3E}">
+        <p14:creationId xmlns:p14="http://schemas.microsoft.com/office/powerpoint/2010/main" val="2007198286"/>
+      </p:ext>
+    </p:extLst>
+  </p:cSld>
+  <p:clrMapOvr>
+    <a:masterClrMapping/>
+  </p:clrMapOvr>
+</p:notes>
+</file>
+
 <file path=ppt/slideLayouts/slideLayout1.xml><?xml version="1.0" encoding="utf-8"?>
 <p:sldLayout xmlns:a="http://schemas.openxmlformats.org/drawingml/2006/main" xmlns:r="http://schemas.openxmlformats.org/officeDocument/2006/relationships" xmlns:p="http://schemas.openxmlformats.org/presentationml/2006/main" showMasterSp="0" type="title" preserve="1">
   <p:cSld name="Title Slide">
@@ -970,7 +1676,7 @@
           <a:p>
             <a:fld id="{4BDF68E2-58F2-4D09-BE8B-E3BD06533059}" type="datetimeFigureOut">
               <a:rPr lang="en-US" dirty="0"/>
-              <a:t>10/20/2025</a:t>
+              <a:t>11/2/2025</a:t>
             </a:fld>
             <a:endParaRPr lang="en-US"/>
           </a:p>
@@ -1176,7 +1882,7 @@
           <a:p>
             <a:fld id="{2E2D6473-DF6D-4702-B328-E0DD40540A4E}" type="datetimeFigureOut">
               <a:rPr lang="en-US" dirty="0"/>
-              <a:t>10/20/2025</a:t>
+              <a:t>11/2/2025</a:t>
             </a:fld>
             <a:endParaRPr lang="en-US"/>
           </a:p>
@@ -1430,7 +2136,7 @@
           <a:p>
             <a:fld id="{E26F7E3A-B166-407D-9866-32884E7D5B37}" type="datetimeFigureOut">
               <a:rPr lang="en-US" dirty="0"/>
-              <a:t>10/20/2025</a:t>
+              <a:t>11/2/2025</a:t>
             </a:fld>
             <a:endParaRPr lang="en-US"/>
           </a:p>
@@ -1602,7 +2308,7 @@
           <a:p>
             <a:fld id="{528FC5F6-F338-4AE4-BB23-26385BCFC423}" type="datetimeFigureOut">
               <a:rPr lang="en-US" dirty="0"/>
-              <a:t>10/20/2025</a:t>
+              <a:t>11/2/2025</a:t>
             </a:fld>
             <a:endParaRPr lang="en-US"/>
           </a:p>
@@ -1944,7 +2650,7 @@
           <a:p>
             <a:fld id="{20EBB0C4-6273-4C6E-B9BD-2EDC30F1CD52}" type="datetimeFigureOut">
               <a:rPr lang="en-US" dirty="0"/>
-              <a:t>10/20/2025</a:t>
+              <a:t>11/2/2025</a:t>
             </a:fld>
             <a:endParaRPr lang="en-US"/>
           </a:p>
@@ -2216,7 +2922,7 @@
           <a:p>
             <a:fld id="{19AB4D41-86C1-4908-B66A-0B50CEB3BF29}" type="datetimeFigureOut">
               <a:rPr lang="en-US" dirty="0"/>
-              <a:t>10/20/2025</a:t>
+              <a:t>11/2/2025</a:t>
             </a:fld>
             <a:endParaRPr lang="en-US"/>
           </a:p>
@@ -2592,7 +3298,7 @@
           <a:p>
             <a:fld id="{E6426E2C-56C1-4E0D-A793-0088A7FDD37E}" type="datetimeFigureOut">
               <a:rPr lang="en-US" dirty="0"/>
-              <a:t>10/20/2025</a:t>
+              <a:t>11/2/2025</a:t>
             </a:fld>
             <a:endParaRPr lang="en-US"/>
           </a:p>
@@ -2709,7 +3415,7 @@
           <a:p>
             <a:fld id="{C8C39B41-D8B5-4052-B551-9B5525EAA8B6}" type="datetimeFigureOut">
               <a:rPr lang="en-US" dirty="0"/>
-              <a:t>10/20/2025</a:t>
+              <a:t>11/2/2025</a:t>
             </a:fld>
             <a:endParaRPr lang="en-US"/>
           </a:p>
@@ -2880,7 +3586,7 @@
           <a:p>
             <a:fld id="{4D94136C-8742-45B2-AF27-D93DF72833A9}" type="datetimeFigureOut">
               <a:rPr lang="en-US" dirty="0"/>
-              <a:t>10/20/2025</a:t>
+              <a:t>11/2/2025</a:t>
             </a:fld>
             <a:endParaRPr lang="en-US"/>
           </a:p>
@@ -3233,7 +3939,7 @@
           <a:p>
             <a:fld id="{32ABBEA6-7C60-4B02-AE87-00D78D8422AF}" type="datetimeFigureOut">
               <a:rPr lang="en-US" dirty="0"/>
-              <a:t>10/20/2025</a:t>
+              <a:t>11/2/2025</a:t>
             </a:fld>
             <a:endParaRPr lang="en-US"/>
           </a:p>
@@ -3611,7 +4317,7 @@
           <a:p>
             <a:fld id="{C9CAD897-D46E-4AD2-BD9B-49DD3E640873}" type="datetimeFigureOut">
               <a:rPr lang="en-US" dirty="0"/>
-              <a:t>10/20/2025</a:t>
+              <a:t>11/2/2025</a:t>
             </a:fld>
             <a:endParaRPr lang="en-US"/>
           </a:p>
@@ -3910,7 +4616,7 @@
           <a:p>
             <a:fld id="{98624D31-43A5-475A-80CF-332C9F6DCF35}" type="datetimeFigureOut">
               <a:rPr lang="en-US" dirty="0"/>
-              <a:t>10/20/2025</a:t>
+              <a:t>11/2/2025</a:t>
             </a:fld>
             <a:endParaRPr lang="en-US"/>
           </a:p>
@@ -4495,6 +5201,1727 @@
 </p:sld>
 </file>
 
+<file path=ppt/slides/slide10.xml><?xml version="1.0" encoding="utf-8"?>
+<p:sld xmlns:a="http://schemas.openxmlformats.org/drawingml/2006/main" xmlns:r="http://schemas.openxmlformats.org/officeDocument/2006/relationships" xmlns:p="http://schemas.openxmlformats.org/presentationml/2006/main">
+  <p:cSld>
+    <p:bg>
+      <p:bgPr>
+        <a:solidFill>
+          <a:schemeClr val="bg1"/>
+        </a:solidFill>
+        <a:effectLst/>
+      </p:bgPr>
+    </p:bg>
+    <p:spTree>
+      <p:nvGrpSpPr>
+        <p:cNvPr id="1" name=""/>
+        <p:cNvGrpSpPr/>
+        <p:nvPr/>
+      </p:nvGrpSpPr>
+      <p:grpSpPr>
+        <a:xfrm>
+          <a:off x="0" y="0"/>
+          <a:ext cx="0" cy="0"/>
+          <a:chOff x="0" y="0"/>
+          <a:chExt cx="0" cy="0"/>
+        </a:xfrm>
+      </p:grpSpPr>
+      <p:sp useBgFill="1">
+        <p:nvSpPr>
+          <p:cNvPr id="31" name="Rectangle 30">
+            <a:extLst>
+              <a:ext uri="{FF2B5EF4-FFF2-40B4-BE49-F238E27FC236}">
+                <a16:creationId xmlns:a16="http://schemas.microsoft.com/office/drawing/2014/main" id="{C33BF9DD-8A45-4EEE-B231-0A14D322E5F9}"/>
+              </a:ext>
+              <a:ext uri="{C183D7F6-B498-43B3-948B-1728B52AA6E4}">
+                <adec:decorative xmlns:adec="http://schemas.microsoft.com/office/drawing/2017/decorative" val="1"/>
+              </a:ext>
+            </a:extLst>
+          </p:cNvPr>
+          <p:cNvSpPr>
+            <a:spLocks noGrp="1" noRot="1" noChangeAspect="1" noMove="1" noResize="1" noEditPoints="1" noAdjustHandles="1" noChangeArrowheads="1" noChangeShapeType="1" noTextEdit="1"/>
+          </p:cNvSpPr>
+          <p:nvPr>
+            <p:extLst>
+              <p:ext uri="{386F3935-93C4-4BCD-93E2-E3B085C9AB24}">
+                <p16:designElem xmlns:p16="http://schemas.microsoft.com/office/powerpoint/2015/main" val="1"/>
+              </p:ext>
+            </p:extLst>
+          </p:nvPr>
+        </p:nvSpPr>
+        <p:spPr>
+          <a:xfrm>
+            <a:off x="0" y="0"/>
+            <a:ext cx="12192001" cy="6334316"/>
+          </a:xfrm>
+          <a:prstGeom prst="rect">
+            <a:avLst/>
+          </a:prstGeom>
+          <a:ln>
+            <a:noFill/>
+          </a:ln>
+        </p:spPr>
+        <p:style>
+          <a:lnRef idx="2">
+            <a:schemeClr val="accent1">
+              <a:shade val="50000"/>
+            </a:schemeClr>
+          </a:lnRef>
+          <a:fillRef idx="1">
+            <a:schemeClr val="accent1"/>
+          </a:fillRef>
+          <a:effectRef idx="0">
+            <a:schemeClr val="accent1"/>
+          </a:effectRef>
+          <a:fontRef idx="minor">
+            <a:schemeClr val="lt1"/>
+          </a:fontRef>
+        </p:style>
+        <p:txBody>
+          <a:bodyPr rtlCol="0" anchor="ctr"/>
+          <a:lstStyle/>
+          <a:p>
+            <a:pPr algn="ctr"/>
+            <a:endParaRPr lang="en-US"/>
+          </a:p>
+        </p:txBody>
+      </p:sp>
+      <p:sp>
+        <p:nvSpPr>
+          <p:cNvPr id="2" name="Nadpis 1">
+            <a:extLst>
+              <a:ext uri="{FF2B5EF4-FFF2-40B4-BE49-F238E27FC236}">
+                <a16:creationId xmlns:a16="http://schemas.microsoft.com/office/drawing/2014/main" id="{F63AC73F-3809-B363-051E-31BF4A6B0AAC}"/>
+              </a:ext>
+            </a:extLst>
+          </p:cNvPr>
+          <p:cNvSpPr>
+            <a:spLocks noGrp="1"/>
+          </p:cNvSpPr>
+          <p:nvPr>
+            <p:ph type="title"/>
+          </p:nvPr>
+        </p:nvSpPr>
+        <p:spPr>
+          <a:xfrm>
+            <a:off x="4974771" y="634946"/>
+            <a:ext cx="6574972" cy="1450757"/>
+          </a:xfrm>
+        </p:spPr>
+        <p:txBody>
+          <a:bodyPr>
+            <a:normAutofit/>
+          </a:bodyPr>
+          <a:lstStyle/>
+          <a:p>
+            <a:r>
+              <a:rPr lang="cs-CZ" dirty="0">
+                <a:ea typeface="Calibri Light"/>
+                <a:cs typeface="Calibri Light"/>
+              </a:rPr>
+              <a:t>Číselné soustavy</a:t>
+            </a:r>
+            <a:endParaRPr lang="cs-CZ" dirty="0"/>
+          </a:p>
+        </p:txBody>
+      </p:sp>
+      <p:cxnSp>
+        <p:nvCxnSpPr>
+          <p:cNvPr id="33" name="Straight Connector 32">
+            <a:extLst>
+              <a:ext uri="{FF2B5EF4-FFF2-40B4-BE49-F238E27FC236}">
+                <a16:creationId xmlns:a16="http://schemas.microsoft.com/office/drawing/2014/main" id="{9020DCC9-F851-4562-BB20-1AB3C51BFD08}"/>
+              </a:ext>
+              <a:ext uri="{C183D7F6-B498-43B3-948B-1728B52AA6E4}">
+                <adec:decorative xmlns:adec="http://schemas.microsoft.com/office/drawing/2017/decorative" val="1"/>
+              </a:ext>
+            </a:extLst>
+          </p:cNvPr>
+          <p:cNvCxnSpPr>
+            <a:cxnSpLocks noGrp="1" noRot="1" noChangeAspect="1" noMove="1" noResize="1" noEditPoints="1" noAdjustHandles="1" noChangeArrowheads="1" noChangeShapeType="1"/>
+          </p:cNvCxnSpPr>
+          <p:nvPr>
+            <p:extLst>
+              <p:ext uri="{386F3935-93C4-4BCD-93E2-E3B085C9AB24}">
+                <p16:designElem xmlns:p16="http://schemas.microsoft.com/office/powerpoint/2015/main" val="1"/>
+              </p:ext>
+            </p:extLst>
+          </p:nvPr>
+        </p:nvCxnSpPr>
+        <p:spPr>
+          <a:xfrm>
+            <a:off x="4974770" y="2086188"/>
+            <a:ext cx="6089768" cy="0"/>
+          </a:xfrm>
+          <a:prstGeom prst="line">
+            <a:avLst/>
+          </a:prstGeom>
+          <a:ln w="6350">
+            <a:solidFill>
+              <a:schemeClr val="tx1">
+                <a:lumMod val="50000"/>
+                <a:lumOff val="50000"/>
+                <a:alpha val="90000"/>
+              </a:schemeClr>
+            </a:solidFill>
+          </a:ln>
+        </p:spPr>
+        <p:style>
+          <a:lnRef idx="1">
+            <a:schemeClr val="accent1"/>
+          </a:lnRef>
+          <a:fillRef idx="0">
+            <a:schemeClr val="accent1"/>
+          </a:fillRef>
+          <a:effectRef idx="0">
+            <a:schemeClr val="accent1"/>
+          </a:effectRef>
+          <a:fontRef idx="minor">
+            <a:schemeClr val="tx1"/>
+          </a:fontRef>
+        </p:style>
+      </p:cxnSp>
+      <p:sp>
+        <p:nvSpPr>
+          <p:cNvPr id="3" name="Zástupný obsah 2">
+            <a:extLst>
+              <a:ext uri="{FF2B5EF4-FFF2-40B4-BE49-F238E27FC236}">
+                <a16:creationId xmlns:a16="http://schemas.microsoft.com/office/drawing/2014/main" id="{2A8451D5-1EB9-603B-37E3-AAA85D014715}"/>
+              </a:ext>
+            </a:extLst>
+          </p:cNvPr>
+          <p:cNvSpPr>
+            <a:spLocks noGrp="1"/>
+          </p:cNvSpPr>
+          <p:nvPr>
+            <p:ph idx="1"/>
+          </p:nvPr>
+        </p:nvSpPr>
+        <p:spPr>
+          <a:xfrm>
+            <a:off x="4974769" y="2198914"/>
+            <a:ext cx="6574973" cy="3670180"/>
+          </a:xfrm>
+        </p:spPr>
+        <p:txBody>
+          <a:bodyPr vert="horz" lIns="0" tIns="45720" rIns="0" bIns="45720" rtlCol="0">
+            <a:normAutofit/>
+          </a:bodyPr>
+          <a:lstStyle/>
+          <a:p>
+            <a:r>
+              <a:rPr lang="cs-CZ" i="1" dirty="0">
+                <a:ea typeface="Calibri"/>
+                <a:cs typeface="Calibri"/>
+              </a:rPr>
+              <a:t>Jak procesor chápe čísla?</a:t>
+            </a:r>
+          </a:p>
+          <a:p>
+            <a:r>
+              <a:rPr lang="cs-CZ" dirty="0">
+                <a:ea typeface="Calibri"/>
+                <a:cs typeface="Calibri"/>
+              </a:rPr>
+              <a:t>Počítače pracují ve dvojkové (binární) soustavě</a:t>
+            </a:r>
+          </a:p>
+          <a:p>
+            <a:r>
+              <a:rPr lang="cs-CZ" dirty="0">
+                <a:ea typeface="Calibri"/>
+                <a:cs typeface="Calibri"/>
+              </a:rPr>
+              <a:t>Základem jsou hodnoty 1 a 0 (pravda, nepravda)</a:t>
+            </a:r>
+          </a:p>
+          <a:p>
+            <a:r>
+              <a:rPr lang="cs-CZ" dirty="0">
+                <a:ea typeface="Calibri"/>
+                <a:cs typeface="Calibri"/>
+              </a:rPr>
+              <a:t>Každá pozice odpovídá mocnině základu (2</a:t>
+            </a:r>
+            <a:r>
+              <a:rPr lang="cs-CZ" baseline="30000" dirty="0">
+                <a:ea typeface="Calibri"/>
+                <a:cs typeface="Calibri"/>
+              </a:rPr>
+              <a:t>0</a:t>
+            </a:r>
+            <a:r>
+              <a:rPr lang="cs-CZ" dirty="0">
+                <a:ea typeface="Calibri"/>
+                <a:cs typeface="Calibri"/>
+              </a:rPr>
+              <a:t>, 2</a:t>
+            </a:r>
+            <a:r>
+              <a:rPr lang="cs-CZ" baseline="30000" dirty="0">
+                <a:ea typeface="Calibri"/>
+                <a:cs typeface="Calibri"/>
+              </a:rPr>
+              <a:t>1</a:t>
+            </a:r>
+            <a:r>
+              <a:rPr lang="cs-CZ" dirty="0">
+                <a:ea typeface="Calibri"/>
+                <a:cs typeface="Calibri"/>
+              </a:rPr>
+              <a:t>, 2</a:t>
+            </a:r>
+            <a:r>
+              <a:rPr lang="cs-CZ" baseline="30000" dirty="0">
+                <a:ea typeface="Calibri"/>
+                <a:cs typeface="Calibri"/>
+              </a:rPr>
+              <a:t>2</a:t>
+            </a:r>
+            <a:r>
+              <a:rPr lang="cs-CZ" dirty="0">
+                <a:ea typeface="Calibri"/>
+                <a:cs typeface="Calibri"/>
+              </a:rPr>
+              <a:t>, 2</a:t>
+            </a:r>
+            <a:r>
+              <a:rPr lang="cs-CZ" baseline="30000" dirty="0">
+                <a:ea typeface="Calibri"/>
+                <a:cs typeface="Calibri"/>
+              </a:rPr>
+              <a:t>3</a:t>
+            </a:r>
+            <a:r>
+              <a:rPr lang="cs-CZ" dirty="0">
+                <a:ea typeface="Calibri"/>
+                <a:cs typeface="Calibri"/>
+              </a:rPr>
+              <a:t> , …)</a:t>
+            </a:r>
+          </a:p>
+          <a:p>
+            <a:r>
+              <a:rPr lang="cs-CZ" dirty="0">
+                <a:ea typeface="Calibri"/>
+                <a:cs typeface="Calibri"/>
+              </a:rPr>
+              <a:t>V matematice a běžném životě používáme desítkovou soustavu</a:t>
+            </a:r>
+          </a:p>
+          <a:p>
+            <a:r>
+              <a:rPr lang="cs-CZ" dirty="0">
+                <a:ea typeface="Calibri"/>
+                <a:cs typeface="Calibri"/>
+              </a:rPr>
+              <a:t>Další častou používanou soustavou je 16 (hexadecimální) </a:t>
+            </a:r>
+          </a:p>
+          <a:p>
+            <a:pPr marL="0" indent="0">
+              <a:buNone/>
+            </a:pPr>
+            <a:endParaRPr lang="cs-CZ" dirty="0">
+              <a:ea typeface="Calibri"/>
+              <a:cs typeface="Calibri"/>
+            </a:endParaRPr>
+          </a:p>
+        </p:txBody>
+      </p:sp>
+      <p:sp>
+        <p:nvSpPr>
+          <p:cNvPr id="35" name="Rectangle 34">
+            <a:extLst>
+              <a:ext uri="{FF2B5EF4-FFF2-40B4-BE49-F238E27FC236}">
+                <a16:creationId xmlns:a16="http://schemas.microsoft.com/office/drawing/2014/main" id="{D5FBCAC9-BD8B-4F3B-AD74-EF37D4211349}"/>
+              </a:ext>
+              <a:ext uri="{C183D7F6-B498-43B3-948B-1728B52AA6E4}">
+                <adec:decorative xmlns:adec="http://schemas.microsoft.com/office/drawing/2017/decorative" val="1"/>
+              </a:ext>
+            </a:extLst>
+          </p:cNvPr>
+          <p:cNvSpPr>
+            <a:spLocks noGrp="1" noRot="1" noChangeAspect="1" noMove="1" noResize="1" noEditPoints="1" noAdjustHandles="1" noChangeArrowheads="1" noChangeShapeType="1" noTextEdit="1"/>
+          </p:cNvSpPr>
+          <p:nvPr>
+            <p:extLst>
+              <p:ext uri="{386F3935-93C4-4BCD-93E2-E3B085C9AB24}">
+                <p16:designElem xmlns:p16="http://schemas.microsoft.com/office/powerpoint/2015/main" val="1"/>
+              </p:ext>
+            </p:extLst>
+          </p:nvPr>
+        </p:nvSpPr>
+        <p:spPr>
+          <a:xfrm>
+            <a:off x="15" y="6334316"/>
+            <a:ext cx="12191985" cy="66484"/>
+          </a:xfrm>
+          <a:prstGeom prst="rect">
+            <a:avLst/>
+          </a:prstGeom>
+          <a:solidFill>
+            <a:schemeClr val="accent1"/>
+          </a:solidFill>
+          <a:ln>
+            <a:noFill/>
+          </a:ln>
+        </p:spPr>
+        <p:style>
+          <a:lnRef idx="2">
+            <a:schemeClr val="accent1">
+              <a:shade val="50000"/>
+            </a:schemeClr>
+          </a:lnRef>
+          <a:fillRef idx="1">
+            <a:schemeClr val="accent1"/>
+          </a:fillRef>
+          <a:effectRef idx="0">
+            <a:schemeClr val="accent1"/>
+          </a:effectRef>
+          <a:fontRef idx="minor">
+            <a:schemeClr val="lt1"/>
+          </a:fontRef>
+        </p:style>
+      </p:sp>
+      <p:sp>
+        <p:nvSpPr>
+          <p:cNvPr id="37" name="Rectangle 36">
+            <a:extLst>
+              <a:ext uri="{FF2B5EF4-FFF2-40B4-BE49-F238E27FC236}">
+                <a16:creationId xmlns:a16="http://schemas.microsoft.com/office/drawing/2014/main" id="{9556C5A8-AD7E-4CE7-87BE-9EA3B5E1786F}"/>
+              </a:ext>
+              <a:ext uri="{C183D7F6-B498-43B3-948B-1728B52AA6E4}">
+                <adec:decorative xmlns:adec="http://schemas.microsoft.com/office/drawing/2017/decorative" val="1"/>
+              </a:ext>
+            </a:extLst>
+          </p:cNvPr>
+          <p:cNvSpPr>
+            <a:spLocks noGrp="1" noRot="1" noChangeAspect="1" noMove="1" noResize="1" noEditPoints="1" noAdjustHandles="1" noChangeArrowheads="1" noChangeShapeType="1" noTextEdit="1"/>
+          </p:cNvSpPr>
+          <p:nvPr>
+            <p:extLst>
+              <p:ext uri="{386F3935-93C4-4BCD-93E2-E3B085C9AB24}">
+                <p16:designElem xmlns:p16="http://schemas.microsoft.com/office/powerpoint/2015/main" val="1"/>
+              </p:ext>
+            </p:extLst>
+          </p:nvPr>
+        </p:nvSpPr>
+        <p:spPr>
+          <a:xfrm>
+            <a:off x="1" y="6400800"/>
+            <a:ext cx="12192000" cy="457200"/>
+          </a:xfrm>
+          <a:prstGeom prst="rect">
+            <a:avLst/>
+          </a:prstGeom>
+          <a:solidFill>
+            <a:schemeClr val="accent2"/>
+          </a:solidFill>
+          <a:ln>
+            <a:noFill/>
+          </a:ln>
+        </p:spPr>
+        <p:style>
+          <a:lnRef idx="2">
+            <a:schemeClr val="accent1">
+              <a:shade val="50000"/>
+            </a:schemeClr>
+          </a:lnRef>
+          <a:fillRef idx="1">
+            <a:schemeClr val="accent1"/>
+          </a:fillRef>
+          <a:effectRef idx="0">
+            <a:schemeClr val="accent1"/>
+          </a:effectRef>
+          <a:fontRef idx="minor">
+            <a:schemeClr val="lt1"/>
+          </a:fontRef>
+        </p:style>
+      </p:sp>
+      <p:graphicFrame>
+        <p:nvGraphicFramePr>
+          <p:cNvPr id="4" name="Tabulka 3">
+            <a:extLst>
+              <a:ext uri="{FF2B5EF4-FFF2-40B4-BE49-F238E27FC236}">
+                <a16:creationId xmlns:a16="http://schemas.microsoft.com/office/drawing/2014/main" id="{2D07ABC3-BC58-4D8E-738E-8D7653E666D4}"/>
+              </a:ext>
+            </a:extLst>
+          </p:cNvPr>
+          <p:cNvGraphicFramePr>
+            <a:graphicFrameLocks noGrp="1"/>
+          </p:cNvGraphicFramePr>
+          <p:nvPr>
+            <p:extLst>
+              <p:ext uri="{D42A27DB-BD31-4B8C-83A1-F6EECF244321}">
+                <p14:modId xmlns:p14="http://schemas.microsoft.com/office/powerpoint/2010/main" val="3658830372"/>
+              </p:ext>
+            </p:extLst>
+          </p:nvPr>
+        </p:nvGraphicFramePr>
+        <p:xfrm>
+          <a:off x="633999" y="2545102"/>
+          <a:ext cx="4001316" cy="1504364"/>
+        </p:xfrm>
+        <a:graphic>
+          <a:graphicData uri="http://schemas.openxmlformats.org/drawingml/2006/table">
+            <a:tbl>
+              <a:tblPr firstRow="1" bandRow="1">
+                <a:tableStyleId>{5C22544A-7EE6-4342-B048-85BDC9FD1C3A}</a:tableStyleId>
+              </a:tblPr>
+              <a:tblGrid>
+                <a:gridCol w="1174133">
+                  <a:extLst>
+                    <a:ext uri="{9D8B030D-6E8A-4147-A177-3AD203B41FA5}">
+                      <a16:colId xmlns:a16="http://schemas.microsoft.com/office/drawing/2014/main" val="1564934333"/>
+                    </a:ext>
+                  </a:extLst>
+                </a:gridCol>
+                <a:gridCol w="1246363">
+                  <a:extLst>
+                    <a:ext uri="{9D8B030D-6E8A-4147-A177-3AD203B41FA5}">
+                      <a16:colId xmlns:a16="http://schemas.microsoft.com/office/drawing/2014/main" val="1669674056"/>
+                    </a:ext>
+                  </a:extLst>
+                </a:gridCol>
+                <a:gridCol w="1580820">
+                  <a:extLst>
+                    <a:ext uri="{9D8B030D-6E8A-4147-A177-3AD203B41FA5}">
+                      <a16:colId xmlns:a16="http://schemas.microsoft.com/office/drawing/2014/main" val="971646028"/>
+                    </a:ext>
+                  </a:extLst>
+                </a:gridCol>
+              </a:tblGrid>
+              <a:tr h="376091">
+                <a:tc>
+                  <a:txBody>
+                    <a:bodyPr/>
+                    <a:lstStyle/>
+                    <a:p>
+                      <a:r>
+                        <a:rPr lang="cs-CZ" sz="1700" dirty="0"/>
+                        <a:t>Dvojková</a:t>
+                      </a:r>
+                    </a:p>
+                  </a:txBody>
+                  <a:tcPr marL="83654" marR="83654" marT="41827" marB="41827"/>
+                </a:tc>
+                <a:tc>
+                  <a:txBody>
+                    <a:bodyPr/>
+                    <a:lstStyle/>
+                    <a:p>
+                      <a:r>
+                        <a:rPr lang="cs-CZ" sz="1700" dirty="0"/>
+                        <a:t>Desítková</a:t>
+                      </a:r>
+                    </a:p>
+                  </a:txBody>
+                  <a:tcPr marL="83654" marR="83654" marT="41827" marB="41827"/>
+                </a:tc>
+                <a:tc>
+                  <a:txBody>
+                    <a:bodyPr/>
+                    <a:lstStyle/>
+                    <a:p>
+                      <a:r>
+                        <a:rPr lang="cs-CZ" sz="1700" dirty="0"/>
+                        <a:t>Šestnáctková</a:t>
+                      </a:r>
+                    </a:p>
+                  </a:txBody>
+                  <a:tcPr marL="83654" marR="83654" marT="41827" marB="41827"/>
+                </a:tc>
+                <a:extLst>
+                  <a:ext uri="{0D108BD9-81ED-4DB2-BD59-A6C34878D82A}">
+                    <a16:rowId xmlns:a16="http://schemas.microsoft.com/office/drawing/2014/main" val="637634973"/>
+                  </a:ext>
+                </a:extLst>
+              </a:tr>
+              <a:tr h="376091">
+                <a:tc>
+                  <a:txBody>
+                    <a:bodyPr/>
+                    <a:lstStyle/>
+                    <a:p>
+                      <a:pPr algn="ctr"/>
+                      <a:r>
+                        <a:rPr lang="cs-CZ" sz="1700" dirty="0"/>
+                        <a:t>1101</a:t>
+                      </a:r>
+                    </a:p>
+                  </a:txBody>
+                  <a:tcPr marL="83654" marR="83654" marT="41827" marB="41827"/>
+                </a:tc>
+                <a:tc>
+                  <a:txBody>
+                    <a:bodyPr/>
+                    <a:lstStyle/>
+                    <a:p>
+                      <a:pPr algn="ctr"/>
+                      <a:r>
+                        <a:rPr lang="cs-CZ" sz="1700" dirty="0"/>
+                        <a:t>13</a:t>
+                      </a:r>
+                    </a:p>
+                  </a:txBody>
+                  <a:tcPr marL="83654" marR="83654" marT="41827" marB="41827"/>
+                </a:tc>
+                <a:tc>
+                  <a:txBody>
+                    <a:bodyPr/>
+                    <a:lstStyle/>
+                    <a:p>
+                      <a:pPr algn="ctr"/>
+                      <a:r>
+                        <a:rPr lang="cs-CZ" sz="1700" dirty="0"/>
+                        <a:t>D</a:t>
+                      </a:r>
+                    </a:p>
+                  </a:txBody>
+                  <a:tcPr marL="83654" marR="83654" marT="41827" marB="41827"/>
+                </a:tc>
+                <a:extLst>
+                  <a:ext uri="{0D108BD9-81ED-4DB2-BD59-A6C34878D82A}">
+                    <a16:rowId xmlns:a16="http://schemas.microsoft.com/office/drawing/2014/main" val="1711215037"/>
+                  </a:ext>
+                </a:extLst>
+              </a:tr>
+              <a:tr h="376091">
+                <a:tc>
+                  <a:txBody>
+                    <a:bodyPr/>
+                    <a:lstStyle/>
+                    <a:p>
+                      <a:pPr algn="ctr"/>
+                      <a:r>
+                        <a:rPr lang="cs-CZ" sz="1700" dirty="0"/>
+                        <a:t>11</a:t>
+                      </a:r>
+                    </a:p>
+                  </a:txBody>
+                  <a:tcPr marL="83654" marR="83654" marT="41827" marB="41827"/>
+                </a:tc>
+                <a:tc>
+                  <a:txBody>
+                    <a:bodyPr/>
+                    <a:lstStyle/>
+                    <a:p>
+                      <a:pPr algn="ctr"/>
+                      <a:r>
+                        <a:rPr lang="cs-CZ" sz="1700" dirty="0"/>
+                        <a:t>3</a:t>
+                      </a:r>
+                    </a:p>
+                  </a:txBody>
+                  <a:tcPr marL="83654" marR="83654" marT="41827" marB="41827"/>
+                </a:tc>
+                <a:tc>
+                  <a:txBody>
+                    <a:bodyPr/>
+                    <a:lstStyle/>
+                    <a:p>
+                      <a:pPr algn="ctr"/>
+                      <a:r>
+                        <a:rPr lang="cs-CZ" sz="1700" dirty="0"/>
+                        <a:t>3</a:t>
+                      </a:r>
+                    </a:p>
+                  </a:txBody>
+                  <a:tcPr marL="83654" marR="83654" marT="41827" marB="41827"/>
+                </a:tc>
+                <a:extLst>
+                  <a:ext uri="{0D108BD9-81ED-4DB2-BD59-A6C34878D82A}">
+                    <a16:rowId xmlns:a16="http://schemas.microsoft.com/office/drawing/2014/main" val="1991207147"/>
+                  </a:ext>
+                </a:extLst>
+              </a:tr>
+              <a:tr h="376091">
+                <a:tc>
+                  <a:txBody>
+                    <a:bodyPr/>
+                    <a:lstStyle/>
+                    <a:p>
+                      <a:pPr algn="ctr"/>
+                      <a:r>
+                        <a:rPr lang="cs-CZ" sz="1700" dirty="0"/>
+                        <a:t>10011</a:t>
+                      </a:r>
+                    </a:p>
+                  </a:txBody>
+                  <a:tcPr marL="83654" marR="83654" marT="41827" marB="41827"/>
+                </a:tc>
+                <a:tc>
+                  <a:txBody>
+                    <a:bodyPr/>
+                    <a:lstStyle/>
+                    <a:p>
+                      <a:pPr algn="ctr"/>
+                      <a:r>
+                        <a:rPr lang="cs-CZ" sz="1700" dirty="0"/>
+                        <a:t>19</a:t>
+                      </a:r>
+                    </a:p>
+                  </a:txBody>
+                  <a:tcPr marL="83654" marR="83654" marT="41827" marB="41827"/>
+                </a:tc>
+                <a:tc>
+                  <a:txBody>
+                    <a:bodyPr/>
+                    <a:lstStyle/>
+                    <a:p>
+                      <a:pPr algn="ctr"/>
+                      <a:r>
+                        <a:rPr lang="cs-CZ" sz="1700" dirty="0"/>
+                        <a:t>13</a:t>
+                      </a:r>
+                    </a:p>
+                  </a:txBody>
+                  <a:tcPr marL="83654" marR="83654" marT="41827" marB="41827"/>
+                </a:tc>
+                <a:extLst>
+                  <a:ext uri="{0D108BD9-81ED-4DB2-BD59-A6C34878D82A}">
+                    <a16:rowId xmlns:a16="http://schemas.microsoft.com/office/drawing/2014/main" val="371891057"/>
+                  </a:ext>
+                </a:extLst>
+              </a:tr>
+            </a:tbl>
+          </a:graphicData>
+        </a:graphic>
+      </p:graphicFrame>
+    </p:spTree>
+    <p:extLst>
+      <p:ext uri="{BB962C8B-B14F-4D97-AF65-F5344CB8AC3E}">
+        <p14:creationId xmlns:p14="http://schemas.microsoft.com/office/powerpoint/2010/main" val="1071550909"/>
+      </p:ext>
+    </p:extLst>
+  </p:cSld>
+  <p:clrMapOvr>
+    <a:masterClrMapping/>
+  </p:clrMapOvr>
+</p:sld>
+</file>
+
+<file path=ppt/slides/slide11.xml><?xml version="1.0" encoding="utf-8"?>
+<p:sld xmlns:a="http://schemas.openxmlformats.org/drawingml/2006/main" xmlns:r="http://schemas.openxmlformats.org/officeDocument/2006/relationships" xmlns:p="http://schemas.openxmlformats.org/presentationml/2006/main">
+  <p:cSld>
+    <p:bg>
+      <p:bgPr>
+        <a:solidFill>
+          <a:schemeClr val="bg1"/>
+        </a:solidFill>
+        <a:effectLst/>
+      </p:bgPr>
+    </p:bg>
+    <p:spTree>
+      <p:nvGrpSpPr>
+        <p:cNvPr id="1" name=""/>
+        <p:cNvGrpSpPr/>
+        <p:nvPr/>
+      </p:nvGrpSpPr>
+      <p:grpSpPr>
+        <a:xfrm>
+          <a:off x="0" y="0"/>
+          <a:ext cx="0" cy="0"/>
+          <a:chOff x="0" y="0"/>
+          <a:chExt cx="0" cy="0"/>
+        </a:xfrm>
+      </p:grpSpPr>
+      <p:sp>
+        <p:nvSpPr>
+          <p:cNvPr id="2" name="Nadpis 1">
+            <a:extLst>
+              <a:ext uri="{FF2B5EF4-FFF2-40B4-BE49-F238E27FC236}">
+                <a16:creationId xmlns:a16="http://schemas.microsoft.com/office/drawing/2014/main" id="{55244C98-F826-73C3-5720-6F956C6C68BE}"/>
+              </a:ext>
+            </a:extLst>
+          </p:cNvPr>
+          <p:cNvSpPr>
+            <a:spLocks noGrp="1"/>
+          </p:cNvSpPr>
+          <p:nvPr>
+            <p:ph type="title"/>
+          </p:nvPr>
+        </p:nvSpPr>
+        <p:spPr>
+          <a:xfrm>
+            <a:off x="1097280" y="286603"/>
+            <a:ext cx="10058400" cy="1450757"/>
+          </a:xfrm>
+        </p:spPr>
+        <p:txBody>
+          <a:bodyPr>
+            <a:normAutofit/>
+          </a:bodyPr>
+          <a:lstStyle/>
+          <a:p>
+            <a:r>
+              <a:rPr lang="cs-CZ" dirty="0">
+                <a:ea typeface="Calibri Light"/>
+                <a:cs typeface="Calibri Light"/>
+              </a:rPr>
+              <a:t>Paměti</a:t>
+            </a:r>
+            <a:endParaRPr lang="cs-CZ" dirty="0"/>
+          </a:p>
+        </p:txBody>
+      </p:sp>
+      <p:pic>
+        <p:nvPicPr>
+          <p:cNvPr id="4" name="Obrázek 3" descr="Operační paměti \ DDR3 - OBCHUDECEK.cz">
+            <a:extLst>
+              <a:ext uri="{FF2B5EF4-FFF2-40B4-BE49-F238E27FC236}">
+                <a16:creationId xmlns:a16="http://schemas.microsoft.com/office/drawing/2014/main" id="{20ABC415-E9DA-FC42-6292-1169D58DF375}"/>
+              </a:ext>
+            </a:extLst>
+          </p:cNvPr>
+          <p:cNvPicPr>
+            <a:picLocks noChangeAspect="1"/>
+          </p:cNvPicPr>
+          <p:nvPr/>
+        </p:nvPicPr>
+        <p:blipFill>
+          <a:blip r:embed="rId2"/>
+          <a:stretch>
+            <a:fillRect/>
+          </a:stretch>
+        </p:blipFill>
+        <p:spPr>
+          <a:xfrm>
+            <a:off x="1076432" y="2684637"/>
+            <a:ext cx="3094997" cy="1934373"/>
+          </a:xfrm>
+          <a:prstGeom prst="rect">
+            <a:avLst/>
+          </a:prstGeom>
+        </p:spPr>
+      </p:pic>
+      <p:sp>
+        <p:nvSpPr>
+          <p:cNvPr id="3" name="Zástupný obsah 2">
+            <a:extLst>
+              <a:ext uri="{FF2B5EF4-FFF2-40B4-BE49-F238E27FC236}">
+                <a16:creationId xmlns:a16="http://schemas.microsoft.com/office/drawing/2014/main" id="{D0340D77-A149-F53E-5CB3-54AE85E26C10}"/>
+              </a:ext>
+            </a:extLst>
+          </p:cNvPr>
+          <p:cNvSpPr>
+            <a:spLocks noGrp="1"/>
+          </p:cNvSpPr>
+          <p:nvPr>
+            <p:ph idx="1"/>
+          </p:nvPr>
+        </p:nvSpPr>
+        <p:spPr>
+          <a:xfrm>
+            <a:off x="4639733" y="1845734"/>
+            <a:ext cx="6515947" cy="4023360"/>
+          </a:xfrm>
+        </p:spPr>
+        <p:txBody>
+          <a:bodyPr vert="horz" lIns="0" tIns="45720" rIns="0" bIns="45720" rtlCol="0">
+            <a:normAutofit/>
+          </a:bodyPr>
+          <a:lstStyle/>
+          <a:p>
+            <a:r>
+              <a:rPr lang="cs-CZ" sz="1500">
+                <a:ea typeface="Calibri"/>
+                <a:cs typeface="Calibri"/>
+              </a:rPr>
+              <a:t>Každý typ paměti v počítači má svou specifickou úlohu</a:t>
+            </a:r>
+          </a:p>
+          <a:p>
+            <a:r>
+              <a:rPr lang="cs-CZ" sz="1500">
+                <a:ea typeface="Calibri"/>
+                <a:cs typeface="Calibri"/>
+              </a:rPr>
+              <a:t>Liší se kapacitou, rychlostí, stabilitou uložení a tím pádem i cenou</a:t>
+            </a:r>
+          </a:p>
+          <a:p>
+            <a:r>
+              <a:rPr lang="cs-CZ" sz="1500">
+                <a:ea typeface="Calibri"/>
+                <a:cs typeface="Calibri"/>
+              </a:rPr>
+              <a:t>Čím blíže procesoru, tím je paměť menší, rychlejší a často se mění</a:t>
+            </a:r>
+          </a:p>
+          <a:p>
+            <a:r>
+              <a:rPr lang="cs-CZ" sz="1500" b="1" dirty="0">
+                <a:ea typeface="Calibri"/>
+                <a:cs typeface="Calibri"/>
+              </a:rPr>
+              <a:t>RAM </a:t>
+            </a:r>
+            <a:r>
+              <a:rPr lang="cs-CZ" sz="1500" dirty="0">
+                <a:ea typeface="Calibri"/>
+                <a:cs typeface="Calibri"/>
+              </a:rPr>
+              <a:t>- dočasná, rychlá, </a:t>
+            </a:r>
+            <a:r>
+              <a:rPr lang="cs-CZ" sz="1500" dirty="0" err="1">
+                <a:ea typeface="Calibri"/>
+                <a:cs typeface="Calibri"/>
+              </a:rPr>
+              <a:t>volativní</a:t>
+            </a:r>
+            <a:r>
+              <a:rPr lang="cs-CZ" sz="1500" dirty="0">
+                <a:ea typeface="Calibri"/>
+                <a:cs typeface="Calibri"/>
+              </a:rPr>
+              <a:t> (závislá na elektrickém napětí)</a:t>
+            </a:r>
+          </a:p>
+          <a:p>
+            <a:pPr marL="383540" lvl="1">
+              <a:buFont typeface="Courier New" panose="020F0502020204030204" pitchFamily="34" charset="0"/>
+              <a:buChar char="o"/>
+            </a:pPr>
+            <a:r>
+              <a:rPr lang="cs-CZ" sz="1500" err="1">
+                <a:ea typeface="Calibri"/>
+                <a:cs typeface="Calibri"/>
+              </a:rPr>
+              <a:t>Random</a:t>
+            </a:r>
+            <a:r>
+              <a:rPr lang="cs-CZ" sz="1500">
+                <a:ea typeface="Calibri"/>
+                <a:cs typeface="Calibri"/>
+              </a:rPr>
+              <a:t> Access </a:t>
+            </a:r>
+            <a:r>
+              <a:rPr lang="cs-CZ" sz="1500" err="1">
+                <a:ea typeface="Calibri"/>
+                <a:cs typeface="Calibri"/>
+              </a:rPr>
+              <a:t>Memory</a:t>
+            </a:r>
+            <a:r>
+              <a:rPr lang="cs-CZ" sz="1500">
+                <a:ea typeface="Calibri"/>
+                <a:cs typeface="Calibri"/>
+              </a:rPr>
+              <a:t> - operační paměť</a:t>
+            </a:r>
+          </a:p>
+          <a:p>
+            <a:r>
+              <a:rPr lang="cs-CZ" sz="1500" b="1">
+                <a:ea typeface="Calibri"/>
+                <a:cs typeface="Calibri"/>
+              </a:rPr>
+              <a:t>ROM/FLASH</a:t>
+            </a:r>
+            <a:r>
+              <a:rPr lang="cs-CZ" sz="1500">
+                <a:ea typeface="Calibri"/>
+                <a:cs typeface="Calibri"/>
+              </a:rPr>
+              <a:t> - </a:t>
+            </a:r>
+            <a:r>
+              <a:rPr lang="cs-CZ" sz="1500" err="1">
+                <a:ea typeface="Calibri"/>
+                <a:cs typeface="Calibri"/>
+              </a:rPr>
+              <a:t>permanentí</a:t>
+            </a:r>
+            <a:r>
+              <a:rPr lang="cs-CZ" sz="1500">
+                <a:ea typeface="Calibri"/>
+                <a:cs typeface="Calibri"/>
+              </a:rPr>
+              <a:t>, </a:t>
+            </a:r>
+            <a:r>
+              <a:rPr lang="cs-CZ" sz="1500" err="1">
+                <a:ea typeface="Calibri"/>
+                <a:cs typeface="Calibri"/>
+              </a:rPr>
+              <a:t>nevolativní</a:t>
+            </a:r>
+            <a:r>
+              <a:rPr lang="cs-CZ" sz="1500">
+                <a:ea typeface="Calibri"/>
+                <a:cs typeface="Calibri"/>
+              </a:rPr>
+              <a:t> (nezávislá na napájení)</a:t>
+            </a:r>
+          </a:p>
+          <a:p>
+            <a:pPr marL="383540" lvl="1">
+              <a:buFont typeface="Courier New" panose="020F0502020204030204" pitchFamily="34" charset="0"/>
+              <a:buChar char="o"/>
+            </a:pPr>
+            <a:r>
+              <a:rPr lang="cs-CZ" sz="1500">
+                <a:ea typeface="Calibri"/>
+                <a:cs typeface="Calibri"/>
+              </a:rPr>
+              <a:t>BIOS</a:t>
+            </a:r>
+          </a:p>
+          <a:p>
+            <a:pPr marL="383540" lvl="1">
+              <a:buFont typeface="Courier New" panose="020F0502020204030204" pitchFamily="34" charset="0"/>
+              <a:buChar char="o"/>
+            </a:pPr>
+            <a:r>
+              <a:rPr lang="cs-CZ" sz="1500" err="1">
+                <a:ea typeface="Calibri"/>
+                <a:cs typeface="Calibri"/>
+              </a:rPr>
+              <a:t>Flash</a:t>
+            </a:r>
+            <a:r>
+              <a:rPr lang="cs-CZ" sz="1500">
+                <a:ea typeface="Calibri"/>
+                <a:cs typeface="Calibri"/>
+              </a:rPr>
+              <a:t> paměti - datové klíčenky</a:t>
+            </a:r>
+          </a:p>
+          <a:p>
+            <a:r>
+              <a:rPr lang="cs-CZ" sz="1500" b="1">
+                <a:ea typeface="Calibri"/>
+                <a:cs typeface="Calibri"/>
+              </a:rPr>
+              <a:t>SSD/HDD </a:t>
+            </a:r>
+            <a:r>
+              <a:rPr lang="cs-CZ" sz="1500">
+                <a:ea typeface="Calibri"/>
+                <a:cs typeface="Calibri"/>
+              </a:rPr>
+              <a:t>- velká kapacita, trvalé uložení</a:t>
+            </a:r>
+          </a:p>
+          <a:p>
+            <a:pPr marL="383540" lvl="1">
+              <a:buFont typeface="Courier New" panose="020F0502020204030204" pitchFamily="34" charset="0"/>
+              <a:buChar char="o"/>
+            </a:pPr>
+            <a:r>
+              <a:rPr lang="cs-CZ" sz="1500">
+                <a:ea typeface="Calibri"/>
+                <a:cs typeface="Calibri"/>
+              </a:rPr>
+              <a:t>HDD - magnetický záznam</a:t>
+            </a:r>
+          </a:p>
+          <a:p>
+            <a:pPr marL="383540" lvl="1">
+              <a:buFont typeface="Courier New" panose="020F0502020204030204" pitchFamily="34" charset="0"/>
+              <a:buChar char="o"/>
+            </a:pPr>
+            <a:r>
+              <a:rPr lang="cs-CZ" sz="1500">
+                <a:ea typeface="Calibri"/>
+                <a:cs typeface="Calibri"/>
+              </a:rPr>
+              <a:t>SSD - stejný typ pamětí jako FLASH, jen lepší řadič</a:t>
+            </a:r>
+          </a:p>
+          <a:p>
+            <a:endParaRPr lang="cs-CZ" sz="1500">
+              <a:ea typeface="Calibri"/>
+              <a:cs typeface="Calibri"/>
+            </a:endParaRPr>
+          </a:p>
+        </p:txBody>
+      </p:sp>
+    </p:spTree>
+    <p:extLst>
+      <p:ext uri="{BB962C8B-B14F-4D97-AF65-F5344CB8AC3E}">
+        <p14:creationId xmlns:p14="http://schemas.microsoft.com/office/powerpoint/2010/main" val="4190888127"/>
+      </p:ext>
+    </p:extLst>
+  </p:cSld>
+  <p:clrMapOvr>
+    <a:masterClrMapping/>
+  </p:clrMapOvr>
+</p:sld>
+</file>
+
+<file path=ppt/slides/slide12.xml><?xml version="1.0" encoding="utf-8"?>
+<p:sld xmlns:a="http://schemas.openxmlformats.org/drawingml/2006/main" xmlns:r="http://schemas.openxmlformats.org/officeDocument/2006/relationships" xmlns:p="http://schemas.openxmlformats.org/presentationml/2006/main">
+  <p:cSld>
+    <p:bg>
+      <p:bgPr>
+        <a:solidFill>
+          <a:schemeClr val="bg1"/>
+        </a:solidFill>
+        <a:effectLst/>
+      </p:bgPr>
+    </p:bg>
+    <p:spTree>
+      <p:nvGrpSpPr>
+        <p:cNvPr id="1" name=""/>
+        <p:cNvGrpSpPr/>
+        <p:nvPr/>
+      </p:nvGrpSpPr>
+      <p:grpSpPr>
+        <a:xfrm>
+          <a:off x="0" y="0"/>
+          <a:ext cx="0" cy="0"/>
+          <a:chOff x="0" y="0"/>
+          <a:chExt cx="0" cy="0"/>
+        </a:xfrm>
+      </p:grpSpPr>
+      <p:sp useBgFill="1">
+        <p:nvSpPr>
+          <p:cNvPr id="9" name="Rectangle 8">
+            <a:extLst>
+              <a:ext uri="{FF2B5EF4-FFF2-40B4-BE49-F238E27FC236}">
+                <a16:creationId xmlns:a16="http://schemas.microsoft.com/office/drawing/2014/main" id="{284B70D5-875B-433D-BDBD-1522A85D6C1D}"/>
+              </a:ext>
+              <a:ext uri="{C183D7F6-B498-43B3-948B-1728B52AA6E4}">
+                <adec:decorative xmlns:adec="http://schemas.microsoft.com/office/drawing/2017/decorative" val="1"/>
+              </a:ext>
+            </a:extLst>
+          </p:cNvPr>
+          <p:cNvSpPr>
+            <a:spLocks noGrp="1" noRot="1" noChangeAspect="1" noMove="1" noResize="1" noEditPoints="1" noAdjustHandles="1" noChangeArrowheads="1" noChangeShapeType="1" noTextEdit="1"/>
+          </p:cNvSpPr>
+          <p:nvPr>
+            <p:extLst>
+              <p:ext uri="{386F3935-93C4-4BCD-93E2-E3B085C9AB24}">
+                <p16:designElem xmlns:p16="http://schemas.microsoft.com/office/powerpoint/2015/main" val="1"/>
+              </p:ext>
+            </p:extLst>
+          </p:nvPr>
+        </p:nvSpPr>
+        <p:spPr>
+          <a:xfrm>
+            <a:off x="0" y="0"/>
+            <a:ext cx="12192001" cy="6334316"/>
+          </a:xfrm>
+          <a:prstGeom prst="rect">
+            <a:avLst/>
+          </a:prstGeom>
+          <a:ln>
+            <a:noFill/>
+          </a:ln>
+        </p:spPr>
+        <p:style>
+          <a:lnRef idx="2">
+            <a:schemeClr val="accent1">
+              <a:shade val="50000"/>
+            </a:schemeClr>
+          </a:lnRef>
+          <a:fillRef idx="1">
+            <a:schemeClr val="accent1"/>
+          </a:fillRef>
+          <a:effectRef idx="0">
+            <a:schemeClr val="accent1"/>
+          </a:effectRef>
+          <a:fontRef idx="minor">
+            <a:schemeClr val="lt1"/>
+          </a:fontRef>
+        </p:style>
+        <p:txBody>
+          <a:bodyPr rtlCol="0" anchor="ctr"/>
+          <a:lstStyle/>
+          <a:p>
+            <a:pPr algn="ctr"/>
+            <a:endParaRPr lang="en-US"/>
+          </a:p>
+        </p:txBody>
+      </p:sp>
+      <p:sp>
+        <p:nvSpPr>
+          <p:cNvPr id="2" name="Nadpis 1">
+            <a:extLst>
+              <a:ext uri="{FF2B5EF4-FFF2-40B4-BE49-F238E27FC236}">
+                <a16:creationId xmlns:a16="http://schemas.microsoft.com/office/drawing/2014/main" id="{3C863C8B-AAC7-4916-2917-D20A12716914}"/>
+              </a:ext>
+            </a:extLst>
+          </p:cNvPr>
+          <p:cNvSpPr>
+            <a:spLocks noGrp="1"/>
+          </p:cNvSpPr>
+          <p:nvPr>
+            <p:ph type="title"/>
+          </p:nvPr>
+        </p:nvSpPr>
+        <p:spPr>
+          <a:xfrm>
+            <a:off x="7859485" y="634946"/>
+            <a:ext cx="3690257" cy="1450757"/>
+          </a:xfrm>
+        </p:spPr>
+        <p:txBody>
+          <a:bodyPr>
+            <a:normAutofit/>
+          </a:bodyPr>
+          <a:lstStyle/>
+          <a:p>
+            <a:r>
+              <a:rPr lang="cs-CZ" sz="4400">
+                <a:ea typeface="Calibri Light"/>
+                <a:cs typeface="Calibri Light"/>
+              </a:rPr>
+              <a:t>Připojovací rozhraní - porty</a:t>
+            </a:r>
+            <a:endParaRPr lang="cs-CZ" sz="4400"/>
+          </a:p>
+        </p:txBody>
+      </p:sp>
+      <p:pic>
+        <p:nvPicPr>
+          <p:cNvPr id="4" name="Obrázek 3" descr="Tip: Port sem port tam, k čemu je všechny mám? - 1. díl - Computertrends">
+            <a:extLst>
+              <a:ext uri="{FF2B5EF4-FFF2-40B4-BE49-F238E27FC236}">
+                <a16:creationId xmlns:a16="http://schemas.microsoft.com/office/drawing/2014/main" id="{ECB2CA6C-BF7C-65B6-0A9F-694346727D7F}"/>
+              </a:ext>
+            </a:extLst>
+          </p:cNvPr>
+          <p:cNvPicPr>
+            <a:picLocks noChangeAspect="1"/>
+          </p:cNvPicPr>
+          <p:nvPr/>
+        </p:nvPicPr>
+        <p:blipFill>
+          <a:blip r:embed="rId2"/>
+          <a:stretch>
+            <a:fillRect/>
+          </a:stretch>
+        </p:blipFill>
+        <p:spPr>
+          <a:xfrm>
+            <a:off x="633999" y="1353902"/>
+            <a:ext cx="6909801" cy="3886763"/>
+          </a:xfrm>
+          <a:prstGeom prst="rect">
+            <a:avLst/>
+          </a:prstGeom>
+        </p:spPr>
+      </p:pic>
+      <p:cxnSp>
+        <p:nvCxnSpPr>
+          <p:cNvPr id="11" name="Straight Connector 10">
+            <a:extLst>
+              <a:ext uri="{FF2B5EF4-FFF2-40B4-BE49-F238E27FC236}">
+                <a16:creationId xmlns:a16="http://schemas.microsoft.com/office/drawing/2014/main" id="{C947DF4A-614C-4B4C-8B80-E5B9D8E8CFED}"/>
+              </a:ext>
+              <a:ext uri="{C183D7F6-B498-43B3-948B-1728B52AA6E4}">
+                <adec:decorative xmlns:adec="http://schemas.microsoft.com/office/drawing/2017/decorative" val="1"/>
+              </a:ext>
+            </a:extLst>
+          </p:cNvPr>
+          <p:cNvCxnSpPr>
+            <a:cxnSpLocks noGrp="1" noRot="1" noChangeAspect="1" noMove="1" noResize="1" noEditPoints="1" noAdjustHandles="1" noChangeArrowheads="1" noChangeShapeType="1"/>
+          </p:cNvCxnSpPr>
+          <p:nvPr>
+            <p:extLst>
+              <p:ext uri="{386F3935-93C4-4BCD-93E2-E3B085C9AB24}">
+                <p16:designElem xmlns:p16="http://schemas.microsoft.com/office/powerpoint/2015/main" val="1"/>
+              </p:ext>
+            </p:extLst>
+          </p:nvPr>
+        </p:nvCxnSpPr>
+        <p:spPr>
+          <a:xfrm>
+            <a:off x="7892143" y="2085703"/>
+            <a:ext cx="3566160" cy="0"/>
+          </a:xfrm>
+          <a:prstGeom prst="line">
+            <a:avLst/>
+          </a:prstGeom>
+          <a:ln w="6350">
+            <a:solidFill>
+              <a:schemeClr val="tx1">
+                <a:lumMod val="50000"/>
+                <a:lumOff val="50000"/>
+                <a:alpha val="90000"/>
+              </a:schemeClr>
+            </a:solidFill>
+          </a:ln>
+        </p:spPr>
+        <p:style>
+          <a:lnRef idx="1">
+            <a:schemeClr val="accent1"/>
+          </a:lnRef>
+          <a:fillRef idx="0">
+            <a:schemeClr val="accent1"/>
+          </a:fillRef>
+          <a:effectRef idx="0">
+            <a:schemeClr val="accent1"/>
+          </a:effectRef>
+          <a:fontRef idx="minor">
+            <a:schemeClr val="tx1"/>
+          </a:fontRef>
+        </p:style>
+      </p:cxnSp>
+      <p:sp>
+        <p:nvSpPr>
+          <p:cNvPr id="3" name="Zástupný obsah 2">
+            <a:extLst>
+              <a:ext uri="{FF2B5EF4-FFF2-40B4-BE49-F238E27FC236}">
+                <a16:creationId xmlns:a16="http://schemas.microsoft.com/office/drawing/2014/main" id="{585F7D7C-A384-F836-CFE1-45321FFEFECA}"/>
+              </a:ext>
+            </a:extLst>
+          </p:cNvPr>
+          <p:cNvSpPr>
+            <a:spLocks noGrp="1"/>
+          </p:cNvSpPr>
+          <p:nvPr>
+            <p:ph idx="1"/>
+          </p:nvPr>
+        </p:nvSpPr>
+        <p:spPr>
+          <a:xfrm>
+            <a:off x="7859485" y="2198914"/>
+            <a:ext cx="3690257" cy="3670180"/>
+          </a:xfrm>
+        </p:spPr>
+        <p:txBody>
+          <a:bodyPr vert="horz" lIns="0" tIns="45720" rIns="0" bIns="45720" rtlCol="0">
+            <a:normAutofit/>
+          </a:bodyPr>
+          <a:lstStyle/>
+          <a:p>
+            <a:r>
+              <a:rPr lang="cs-CZ">
+                <a:ea typeface="+mn-lt"/>
+                <a:cs typeface="+mn-lt"/>
+              </a:rPr>
+              <a:t>Historie: PS/2, VGA, paralelní port</a:t>
+            </a:r>
+            <a:endParaRPr lang="cs-CZ" dirty="0" err="1">
+              <a:ea typeface="Calibri"/>
+              <a:cs typeface="Calibri"/>
+            </a:endParaRPr>
+          </a:p>
+          <a:p>
+            <a:r>
+              <a:rPr lang="cs-CZ" dirty="0">
+                <a:ea typeface="+mn-lt"/>
+                <a:cs typeface="+mn-lt"/>
+              </a:rPr>
+              <a:t>Současnost: USB-C, HDMI, </a:t>
+            </a:r>
+            <a:r>
+              <a:rPr lang="cs-CZ" dirty="0" err="1">
+                <a:ea typeface="+mn-lt"/>
+                <a:cs typeface="+mn-lt"/>
+              </a:rPr>
+              <a:t>Thunderbolt</a:t>
+            </a:r>
+            <a:endParaRPr lang="cs-CZ" dirty="0" err="1"/>
+          </a:p>
+          <a:p>
+            <a:r>
+              <a:rPr lang="cs-CZ" dirty="0">
+                <a:ea typeface="+mn-lt"/>
+                <a:cs typeface="+mn-lt"/>
+              </a:rPr>
+              <a:t>Bezdrátově: Wi-Fi, Bluetooth, </a:t>
+            </a:r>
+            <a:r>
+              <a:rPr lang="cs-CZ" dirty="0">
+                <a:ea typeface="Calibri"/>
+                <a:cs typeface="Calibri"/>
+              </a:rPr>
+              <a:t>NFC</a:t>
+            </a:r>
+            <a:endParaRPr lang="cs-CZ" dirty="0"/>
+          </a:p>
+          <a:p>
+            <a:endParaRPr lang="cs-CZ" dirty="0">
+              <a:ea typeface="Calibri"/>
+              <a:cs typeface="Calibri"/>
+            </a:endParaRPr>
+          </a:p>
+        </p:txBody>
+      </p:sp>
+      <p:sp>
+        <p:nvSpPr>
+          <p:cNvPr id="13" name="Rectangle 12">
+            <a:extLst>
+              <a:ext uri="{FF2B5EF4-FFF2-40B4-BE49-F238E27FC236}">
+                <a16:creationId xmlns:a16="http://schemas.microsoft.com/office/drawing/2014/main" id="{1E299956-A9E7-4FC1-A0B1-D590CA9730E8}"/>
+              </a:ext>
+              <a:ext uri="{C183D7F6-B498-43B3-948B-1728B52AA6E4}">
+                <adec:decorative xmlns:adec="http://schemas.microsoft.com/office/drawing/2017/decorative" val="1"/>
+              </a:ext>
+            </a:extLst>
+          </p:cNvPr>
+          <p:cNvSpPr>
+            <a:spLocks noGrp="1" noRot="1" noChangeAspect="1" noMove="1" noResize="1" noEditPoints="1" noAdjustHandles="1" noChangeArrowheads="1" noChangeShapeType="1" noTextEdit="1"/>
+          </p:cNvSpPr>
+          <p:nvPr>
+            <p:extLst>
+              <p:ext uri="{386F3935-93C4-4BCD-93E2-E3B085C9AB24}">
+                <p16:designElem xmlns:p16="http://schemas.microsoft.com/office/powerpoint/2015/main" val="1"/>
+              </p:ext>
+            </p:extLst>
+          </p:nvPr>
+        </p:nvSpPr>
+        <p:spPr>
+          <a:xfrm>
+            <a:off x="15" y="6334316"/>
+            <a:ext cx="12191985" cy="66484"/>
+          </a:xfrm>
+          <a:prstGeom prst="rect">
+            <a:avLst/>
+          </a:prstGeom>
+          <a:solidFill>
+            <a:schemeClr val="accent1"/>
+          </a:solidFill>
+          <a:ln>
+            <a:noFill/>
+          </a:ln>
+        </p:spPr>
+        <p:style>
+          <a:lnRef idx="2">
+            <a:schemeClr val="accent1">
+              <a:shade val="50000"/>
+            </a:schemeClr>
+          </a:lnRef>
+          <a:fillRef idx="1">
+            <a:schemeClr val="accent1"/>
+          </a:fillRef>
+          <a:effectRef idx="0">
+            <a:schemeClr val="accent1"/>
+          </a:effectRef>
+          <a:fontRef idx="minor">
+            <a:schemeClr val="lt1"/>
+          </a:fontRef>
+        </p:style>
+      </p:sp>
+      <p:sp>
+        <p:nvSpPr>
+          <p:cNvPr id="15" name="Rectangle 14">
+            <a:extLst>
+              <a:ext uri="{FF2B5EF4-FFF2-40B4-BE49-F238E27FC236}">
+                <a16:creationId xmlns:a16="http://schemas.microsoft.com/office/drawing/2014/main" id="{17FC539C-B783-4B03-9F9E-D13430F3F64F}"/>
+              </a:ext>
+              <a:ext uri="{C183D7F6-B498-43B3-948B-1728B52AA6E4}">
+                <adec:decorative xmlns:adec="http://schemas.microsoft.com/office/drawing/2017/decorative" val="1"/>
+              </a:ext>
+            </a:extLst>
+          </p:cNvPr>
+          <p:cNvSpPr>
+            <a:spLocks noGrp="1" noRot="1" noChangeAspect="1" noMove="1" noResize="1" noEditPoints="1" noAdjustHandles="1" noChangeArrowheads="1" noChangeShapeType="1" noTextEdit="1"/>
+          </p:cNvSpPr>
+          <p:nvPr>
+            <p:extLst>
+              <p:ext uri="{386F3935-93C4-4BCD-93E2-E3B085C9AB24}">
+                <p16:designElem xmlns:p16="http://schemas.microsoft.com/office/powerpoint/2015/main" val="1"/>
+              </p:ext>
+            </p:extLst>
+          </p:nvPr>
+        </p:nvSpPr>
+        <p:spPr>
+          <a:xfrm>
+            <a:off x="1" y="6400800"/>
+            <a:ext cx="12192000" cy="457200"/>
+          </a:xfrm>
+          <a:prstGeom prst="rect">
+            <a:avLst/>
+          </a:prstGeom>
+          <a:solidFill>
+            <a:schemeClr val="accent2"/>
+          </a:solidFill>
+          <a:ln>
+            <a:noFill/>
+          </a:ln>
+        </p:spPr>
+        <p:style>
+          <a:lnRef idx="2">
+            <a:schemeClr val="accent1">
+              <a:shade val="50000"/>
+            </a:schemeClr>
+          </a:lnRef>
+          <a:fillRef idx="1">
+            <a:schemeClr val="accent1"/>
+          </a:fillRef>
+          <a:effectRef idx="0">
+            <a:schemeClr val="accent1"/>
+          </a:effectRef>
+          <a:fontRef idx="minor">
+            <a:schemeClr val="lt1"/>
+          </a:fontRef>
+        </p:style>
+      </p:sp>
+    </p:spTree>
+    <p:extLst>
+      <p:ext uri="{BB962C8B-B14F-4D97-AF65-F5344CB8AC3E}">
+        <p14:creationId xmlns:p14="http://schemas.microsoft.com/office/powerpoint/2010/main" val="1860899900"/>
+      </p:ext>
+    </p:extLst>
+  </p:cSld>
+  <p:clrMapOvr>
+    <a:masterClrMapping/>
+  </p:clrMapOvr>
+</p:sld>
+</file>
+
+<file path=ppt/slides/slide13.xml><?xml version="1.0" encoding="utf-8"?>
+<p:sld xmlns:a="http://schemas.openxmlformats.org/drawingml/2006/main" xmlns:r="http://schemas.openxmlformats.org/officeDocument/2006/relationships" xmlns:p="http://schemas.openxmlformats.org/presentationml/2006/main">
+  <p:cSld>
+    <p:spTree>
+      <p:nvGrpSpPr>
+        <p:cNvPr id="1" name=""/>
+        <p:cNvGrpSpPr/>
+        <p:nvPr/>
+      </p:nvGrpSpPr>
+      <p:grpSpPr>
+        <a:xfrm>
+          <a:off x="0" y="0"/>
+          <a:ext cx="0" cy="0"/>
+          <a:chOff x="0" y="0"/>
+          <a:chExt cx="0" cy="0"/>
+        </a:xfrm>
+      </p:grpSpPr>
+      <p:sp>
+        <p:nvSpPr>
+          <p:cNvPr id="2" name="Nadpis 1">
+            <a:extLst>
+              <a:ext uri="{FF2B5EF4-FFF2-40B4-BE49-F238E27FC236}">
+                <a16:creationId xmlns:a16="http://schemas.microsoft.com/office/drawing/2014/main" id="{0C0C02E3-A5B8-9664-0D05-D6BCD07491CA}"/>
+              </a:ext>
+            </a:extLst>
+          </p:cNvPr>
+          <p:cNvSpPr>
+            <a:spLocks noGrp="1"/>
+          </p:cNvSpPr>
+          <p:nvPr>
+            <p:ph type="title"/>
+          </p:nvPr>
+        </p:nvSpPr>
+        <p:spPr/>
+        <p:txBody>
+          <a:bodyPr/>
+          <a:lstStyle/>
+          <a:p>
+            <a:r>
+              <a:rPr lang="cs-CZ" dirty="0">
+                <a:ea typeface="Calibri Light"/>
+                <a:cs typeface="Calibri Light"/>
+              </a:rPr>
+              <a:t>Hardware kam se podíváš</a:t>
+            </a:r>
+            <a:endParaRPr lang="cs-CZ" dirty="0"/>
+          </a:p>
+        </p:txBody>
+      </p:sp>
+      <p:sp>
+        <p:nvSpPr>
+          <p:cNvPr id="3" name="Zástupný obsah 2">
+            <a:extLst>
+              <a:ext uri="{FF2B5EF4-FFF2-40B4-BE49-F238E27FC236}">
+                <a16:creationId xmlns:a16="http://schemas.microsoft.com/office/drawing/2014/main" id="{8C9B84A0-255D-C885-F0DC-265B42741C9A}"/>
+              </a:ext>
+            </a:extLst>
+          </p:cNvPr>
+          <p:cNvSpPr>
+            <a:spLocks noGrp="1"/>
+          </p:cNvSpPr>
+          <p:nvPr>
+            <p:ph idx="1"/>
+          </p:nvPr>
+        </p:nvSpPr>
+        <p:spPr/>
+        <p:txBody>
+          <a:bodyPr vert="horz" lIns="0" tIns="45720" rIns="0" bIns="45720" rtlCol="0" anchor="t">
+            <a:normAutofit/>
+          </a:bodyPr>
+          <a:lstStyle/>
+          <a:p>
+            <a:pPr marL="457200" indent="-457200">
+              <a:buAutoNum type="arabicPeriod"/>
+            </a:pPr>
+            <a:r>
+              <a:rPr lang="cs-CZ" dirty="0">
+                <a:ea typeface="Calibri"/>
+                <a:cs typeface="Calibri"/>
+              </a:rPr>
+              <a:t>Zvolte si libovolné HW zařízení, se kterým běžně potkáváte v domácnosti</a:t>
+            </a:r>
+            <a:endParaRPr lang="cs-CZ" dirty="0"/>
+          </a:p>
+          <a:p>
+            <a:pPr marL="383540" lvl="1">
+              <a:buFont typeface="Courier New" panose="020F0502020204030204" pitchFamily="34" charset="0"/>
+              <a:buChar char="o"/>
+            </a:pPr>
+            <a:r>
+              <a:rPr lang="cs-CZ">
+                <a:ea typeface="Calibri"/>
+                <a:cs typeface="Calibri"/>
+              </a:rPr>
+              <a:t>Počítač, konzole, mobil, router, auto, lednice, TV, …</a:t>
+            </a:r>
+          </a:p>
+          <a:p>
+            <a:pPr>
+              <a:buAutoNum type="arabicPeriod"/>
+            </a:pPr>
+            <a:r>
+              <a:rPr lang="cs-CZ" dirty="0">
+                <a:ea typeface="Calibri"/>
+                <a:cs typeface="Calibri"/>
+              </a:rPr>
+              <a:t>Odpovězte na následující otázky </a:t>
+            </a:r>
+            <a:r>
+              <a:rPr lang="cs-CZ" dirty="0">
+                <a:solidFill>
+                  <a:srgbClr val="FF0000"/>
+                </a:solidFill>
+                <a:ea typeface="Calibri"/>
+                <a:cs typeface="Calibri"/>
+              </a:rPr>
+              <a:t>(10 minut)</a:t>
+            </a:r>
+            <a:r>
+              <a:rPr lang="cs-CZ" dirty="0">
+                <a:ea typeface="Calibri"/>
+                <a:cs typeface="Calibri"/>
+              </a:rPr>
+              <a:t>:</a:t>
+            </a:r>
+          </a:p>
+          <a:p>
+            <a:pPr marL="383540" lvl="1">
+              <a:buFont typeface="Courier New" panose="020F0502020204030204" pitchFamily="34" charset="0"/>
+              <a:buChar char="o"/>
+            </a:pPr>
+            <a:r>
+              <a:rPr lang="cs-CZ" dirty="0">
+                <a:ea typeface="+mn-lt"/>
+                <a:cs typeface="+mn-lt"/>
+              </a:rPr>
+              <a:t>Jaké klíčové hardware komponenty zařízení obsahuje?</a:t>
+            </a:r>
+            <a:endParaRPr lang="cs-CZ">
+              <a:ea typeface="Calibri"/>
+              <a:cs typeface="Calibri"/>
+            </a:endParaRPr>
+          </a:p>
+          <a:p>
+            <a:pPr marL="383540" lvl="1">
+              <a:buFont typeface="Courier New" panose="020F0502020204030204" pitchFamily="34" charset="0"/>
+              <a:buChar char="o"/>
+            </a:pPr>
+            <a:r>
+              <a:rPr lang="cs-CZ" dirty="0">
+                <a:ea typeface="+mn-lt"/>
+                <a:cs typeface="+mn-lt"/>
+              </a:rPr>
+              <a:t>Jaký typ procesorové architektury by pravděpodobně využívalo a proč?</a:t>
+            </a:r>
+            <a:endParaRPr lang="cs-CZ" dirty="0">
+              <a:ea typeface="Calibri"/>
+              <a:cs typeface="Calibri"/>
+            </a:endParaRPr>
+          </a:p>
+          <a:p>
+            <a:pPr marL="383540" lvl="1">
+              <a:buFont typeface="Courier New" panose="020F0502020204030204" pitchFamily="34" charset="0"/>
+              <a:buChar char="o"/>
+            </a:pPr>
+            <a:r>
+              <a:rPr lang="cs-CZ">
+                <a:ea typeface="+mn-lt"/>
+                <a:cs typeface="+mn-lt"/>
+              </a:rPr>
+              <a:t>Co v zařízení představuje firmware?</a:t>
+            </a:r>
+            <a:endParaRPr lang="cs-CZ">
+              <a:ea typeface="Calibri"/>
+              <a:cs typeface="Calibri"/>
+            </a:endParaRPr>
+          </a:p>
+          <a:p>
+            <a:pPr marL="383540" lvl="1">
+              <a:buFont typeface="Courier New" panose="020F0502020204030204" pitchFamily="34" charset="0"/>
+              <a:buChar char="o"/>
+            </a:pPr>
+            <a:r>
+              <a:rPr lang="cs-CZ" dirty="0">
+                <a:ea typeface="+mn-lt"/>
+                <a:cs typeface="+mn-lt"/>
+              </a:rPr>
+              <a:t>Co by se stalo, kdyby selhal firmware nebo paměť?</a:t>
+            </a:r>
+            <a:endParaRPr lang="cs-CZ">
+              <a:ea typeface="Calibri"/>
+              <a:cs typeface="Calibri"/>
+            </a:endParaRPr>
+          </a:p>
+          <a:p>
+            <a:pPr>
+              <a:buAutoNum type="arabicPeriod"/>
+            </a:pPr>
+            <a:r>
+              <a:rPr lang="cs-CZ" dirty="0">
+                <a:ea typeface="Calibri"/>
+                <a:cs typeface="Calibri"/>
+              </a:rPr>
+              <a:t>Diskutujte ve dvojicích své výstupy</a:t>
+            </a:r>
+            <a:r>
+              <a:rPr lang="cs-CZ" dirty="0">
+                <a:solidFill>
+                  <a:srgbClr val="FF0000"/>
+                </a:solidFill>
+                <a:ea typeface="Calibri"/>
+                <a:cs typeface="Calibri"/>
+              </a:rPr>
+              <a:t> (5 minut)</a:t>
+            </a:r>
+          </a:p>
+          <a:p>
+            <a:pPr>
+              <a:buAutoNum type="arabicPeriod"/>
+            </a:pPr>
+            <a:r>
+              <a:rPr lang="cs-CZ" dirty="0">
+                <a:ea typeface="Calibri"/>
+                <a:cs typeface="Calibri"/>
+              </a:rPr>
+              <a:t>Prezentujte nabyté informace zbytku třídy </a:t>
+            </a:r>
+            <a:r>
+              <a:rPr lang="cs-CZ" dirty="0">
+                <a:solidFill>
+                  <a:srgbClr val="FF0000"/>
+                </a:solidFill>
+                <a:ea typeface="Calibri"/>
+                <a:cs typeface="Calibri"/>
+              </a:rPr>
+              <a:t>(10 minut)</a:t>
+            </a:r>
+          </a:p>
+        </p:txBody>
+      </p:sp>
+    </p:spTree>
+    <p:extLst>
+      <p:ext uri="{BB962C8B-B14F-4D97-AF65-F5344CB8AC3E}">
+        <p14:creationId xmlns:p14="http://schemas.microsoft.com/office/powerpoint/2010/main" val="714891676"/>
+      </p:ext>
+    </p:extLst>
+  </p:cSld>
+  <p:clrMapOvr>
+    <a:masterClrMapping/>
+  </p:clrMapOvr>
+</p:sld>
+</file>
+
 <file path=ppt/slides/slide2.xml><?xml version="1.0" encoding="utf-8"?>
 <p:sld xmlns:a="http://schemas.openxmlformats.org/drawingml/2006/main" xmlns:r="http://schemas.openxmlformats.org/officeDocument/2006/relationships" xmlns:p="http://schemas.openxmlformats.org/presentationml/2006/main">
   <p:cSld>
@@ -4528,7 +6955,7 @@
                 <a16:creationId xmlns:a16="http://schemas.microsoft.com/office/drawing/2014/main" id="{E7F82259-6DC6-40BE-84AB-3D4BDA537672}"/>
               </a:ext>
               <a:ext uri="{C183D7F6-B498-43B3-948B-1728B52AA6E4}">
-                <adec:decorative xmlns:adec="http://schemas.microsoft.com/office/drawing/2017/decorative" xmlns="" val="1"/>
+                <adec:decorative xmlns:adec="http://schemas.microsoft.com/office/drawing/2017/decorative" val="1"/>
               </a:ext>
             </a:extLst>
           </p:cNvPr>
@@ -4623,7 +7050,7 @@
                 <a16:creationId xmlns:a16="http://schemas.microsoft.com/office/drawing/2014/main" id="{D8969DA3-1975-44C7-B7ED-053710F94528}"/>
               </a:ext>
               <a:ext uri="{C183D7F6-B498-43B3-948B-1728B52AA6E4}">
-                <adec:decorative xmlns:adec="http://schemas.microsoft.com/office/drawing/2017/decorative" xmlns="" val="1"/>
+                <adec:decorative xmlns:adec="http://schemas.microsoft.com/office/drawing/2017/decorative" val="1"/>
               </a:ext>
             </a:extLst>
           </p:cNvPr>
@@ -4752,7 +7179,7 @@
                 <a16:creationId xmlns:a16="http://schemas.microsoft.com/office/drawing/2014/main" id="{35490A1A-AA28-463A-AA3C-C84B88ED54D3}"/>
               </a:ext>
               <a:ext uri="{C183D7F6-B498-43B3-948B-1728B52AA6E4}">
-                <adec:decorative xmlns:adec="http://schemas.microsoft.com/office/drawing/2017/decorative" xmlns="" val="1"/>
+                <adec:decorative xmlns:adec="http://schemas.microsoft.com/office/drawing/2017/decorative" val="1"/>
               </a:ext>
             </a:extLst>
           </p:cNvPr>
@@ -4848,7 +7275,7 @@
                 <a16:creationId xmlns:a16="http://schemas.microsoft.com/office/drawing/2014/main" id="{9CBAC0BF-B249-46F8-B6CE-50488DCA102A}"/>
               </a:ext>
               <a:ext uri="{C183D7F6-B498-43B3-948B-1728B52AA6E4}">
-                <adec:decorative xmlns:adec="http://schemas.microsoft.com/office/drawing/2017/decorative" xmlns="" val="1"/>
+                <adec:decorative xmlns:adec="http://schemas.microsoft.com/office/drawing/2017/decorative" val="1"/>
               </a:ext>
             </a:extLst>
           </p:cNvPr>
@@ -4944,7 +7371,7 @@
                 <a16:creationId xmlns:a16="http://schemas.microsoft.com/office/drawing/2014/main" id="{983DEAAD-C42F-417F-96C1-36AC52AA5D25}"/>
               </a:ext>
               <a:ext uri="{C183D7F6-B498-43B3-948B-1728B52AA6E4}">
-                <adec:decorative xmlns:adec="http://schemas.microsoft.com/office/drawing/2017/decorative" xmlns="" val="1"/>
+                <adec:decorative xmlns:adec="http://schemas.microsoft.com/office/drawing/2017/decorative" val="1"/>
               </a:ext>
             </a:extLst>
           </p:cNvPr>
@@ -5040,7 +7467,7 @@
                 <a16:creationId xmlns:a16="http://schemas.microsoft.com/office/drawing/2014/main" id="{69259C9E-EB60-4136-BFB3-C6AA8EABCC75}"/>
               </a:ext>
               <a:ext uri="{C183D7F6-B498-43B3-948B-1728B52AA6E4}">
-                <adec:decorative xmlns:adec="http://schemas.microsoft.com/office/drawing/2017/decorative" xmlns="" val="1"/>
+                <adec:decorative xmlns:adec="http://schemas.microsoft.com/office/drawing/2017/decorative" val="1"/>
               </a:ext>
             </a:extLst>
           </p:cNvPr>
@@ -5136,7 +7563,7 @@
                 <a16:creationId xmlns:a16="http://schemas.microsoft.com/office/drawing/2014/main" id="{C44B207C-AE62-4FA8-B469-5E0EDADF80A5}"/>
               </a:ext>
               <a:ext uri="{C183D7F6-B498-43B3-948B-1728B52AA6E4}">
-                <adec:decorative xmlns:adec="http://schemas.microsoft.com/office/drawing/2017/decorative" xmlns="" val="1"/>
+                <adec:decorative xmlns:adec="http://schemas.microsoft.com/office/drawing/2017/decorative" val="1"/>
               </a:ext>
             </a:extLst>
           </p:cNvPr>
@@ -5198,7 +7625,7 @@
                 <a16:creationId xmlns:a16="http://schemas.microsoft.com/office/drawing/2014/main" id="{BE1354F6-7F92-40AE-A769-AC17DBD95EC7}"/>
               </a:ext>
               <a:ext uri="{C183D7F6-B498-43B3-948B-1728B52AA6E4}">
-                <adec:decorative xmlns:adec="http://schemas.microsoft.com/office/drawing/2017/decorative" xmlns="" val="1"/>
+                <adec:decorative xmlns:adec="http://schemas.microsoft.com/office/drawing/2017/decorative" val="1"/>
               </a:ext>
             </a:extLst>
           </p:cNvPr>
@@ -5298,7 +7725,7 @@
                 <a16:creationId xmlns:a16="http://schemas.microsoft.com/office/drawing/2014/main" id="{5CF81D86-BDBA-477C-B7DD-8D359BB9965B}"/>
               </a:ext>
               <a:ext uri="{C183D7F6-B498-43B3-948B-1728B52AA6E4}">
-                <adec:decorative xmlns:adec="http://schemas.microsoft.com/office/drawing/2017/decorative" xmlns="" val="1"/>
+                <adec:decorative xmlns:adec="http://schemas.microsoft.com/office/drawing/2017/decorative" val="1"/>
               </a:ext>
             </a:extLst>
           </p:cNvPr>
@@ -5424,7 +7851,7 @@
                 <a16:creationId xmlns:a16="http://schemas.microsoft.com/office/drawing/2014/main" id="{C65F3E9C-EF11-4F8F-A621-399C7A3E6401}"/>
               </a:ext>
               <a:ext uri="{C183D7F6-B498-43B3-948B-1728B52AA6E4}">
-                <adec:decorative xmlns:adec="http://schemas.microsoft.com/office/drawing/2017/decorative" xmlns="" val="1"/>
+                <adec:decorative xmlns:adec="http://schemas.microsoft.com/office/drawing/2017/decorative" val="1"/>
               </a:ext>
             </a:extLst>
           </p:cNvPr>
@@ -5569,7 +7996,7 @@
                 <a16:creationId xmlns:a16="http://schemas.microsoft.com/office/drawing/2014/main" id="{88AA064E-5F6E-4024-BC28-EDDC3DFC70E1}"/>
               </a:ext>
               <a:ext uri="{C183D7F6-B498-43B3-948B-1728B52AA6E4}">
-                <adec:decorative xmlns:adec="http://schemas.microsoft.com/office/drawing/2017/decorative" xmlns="" val="1"/>
+                <adec:decorative xmlns:adec="http://schemas.microsoft.com/office/drawing/2017/decorative" val="1"/>
               </a:ext>
             </a:extLst>
           </p:cNvPr>
@@ -5631,7 +8058,7 @@
                 <a16:creationId xmlns:a16="http://schemas.microsoft.com/office/drawing/2014/main" id="{03B29638-4838-4B9B-B9DB-96E542BAF3E6}"/>
               </a:ext>
               <a:ext uri="{C183D7F6-B498-43B3-948B-1728B52AA6E4}">
-                <adec:decorative xmlns:adec="http://schemas.microsoft.com/office/drawing/2017/decorative" xmlns="" val="1"/>
+                <adec:decorative xmlns:adec="http://schemas.microsoft.com/office/drawing/2017/decorative" val="1"/>
               </a:ext>
             </a:extLst>
           </p:cNvPr>
@@ -5731,7 +8158,7 @@
                 <a16:creationId xmlns:a16="http://schemas.microsoft.com/office/drawing/2014/main" id="{52ABB703-2B0E-4C3B-B4A2-F3973548E561}"/>
               </a:ext>
               <a:ext uri="{C183D7F6-B498-43B3-948B-1728B52AA6E4}">
-                <adec:decorative xmlns:adec="http://schemas.microsoft.com/office/drawing/2017/decorative" xmlns="" val="1"/>
+                <adec:decorative xmlns:adec="http://schemas.microsoft.com/office/drawing/2017/decorative" val="1"/>
               </a:ext>
             </a:extLst>
           </p:cNvPr>
@@ -5856,7 +8283,7 @@
                 <a16:creationId xmlns:a16="http://schemas.microsoft.com/office/drawing/2014/main" id="{9C21570E-E159-49A6-9891-FA397B7A92D3}"/>
               </a:ext>
               <a:ext uri="{C183D7F6-B498-43B3-948B-1728B52AA6E4}">
-                <adec:decorative xmlns:adec="http://schemas.microsoft.com/office/drawing/2017/decorative" xmlns="" val="1"/>
+                <adec:decorative xmlns:adec="http://schemas.microsoft.com/office/drawing/2017/decorative" val="1"/>
               </a:ext>
             </a:extLst>
           </p:cNvPr>
@@ -5986,7 +8413,7 @@
                 <a16:creationId xmlns:a16="http://schemas.microsoft.com/office/drawing/2014/main" id="{E95DA498-D9A2-4DA9-B9DA-B3776E08CF7E}"/>
               </a:ext>
               <a:ext uri="{C183D7F6-B498-43B3-948B-1728B52AA6E4}">
-                <adec:decorative xmlns:adec="http://schemas.microsoft.com/office/drawing/2017/decorative" xmlns="" val="1"/>
+                <adec:decorative xmlns:adec="http://schemas.microsoft.com/office/drawing/2017/decorative" val="1"/>
               </a:ext>
             </a:extLst>
           </p:cNvPr>
@@ -6048,7 +8475,7 @@
                 <a16:creationId xmlns:a16="http://schemas.microsoft.com/office/drawing/2014/main" id="{82A73093-4B9D-420D-B17E-52293703A1D4}"/>
               </a:ext>
               <a:ext uri="{C183D7F6-B498-43B3-948B-1728B52AA6E4}">
-                <adec:decorative xmlns:adec="http://schemas.microsoft.com/office/drawing/2017/decorative" xmlns="" val="1"/>
+                <adec:decorative xmlns:adec="http://schemas.microsoft.com/office/drawing/2017/decorative" val="1"/>
               </a:ext>
             </a:extLst>
           </p:cNvPr>
@@ -6148,7 +8575,7 @@
                 <a16:creationId xmlns:a16="http://schemas.microsoft.com/office/drawing/2014/main" id="{52ABB703-2B0E-4C3B-B4A2-F3973548E561}"/>
               </a:ext>
               <a:ext uri="{C183D7F6-B498-43B3-948B-1728B52AA6E4}">
-                <adec:decorative xmlns:adec="http://schemas.microsoft.com/office/drawing/2017/decorative" xmlns="" val="1"/>
+                <adec:decorative xmlns:adec="http://schemas.microsoft.com/office/drawing/2017/decorative" val="1"/>
               </a:ext>
             </a:extLst>
           </p:cNvPr>
@@ -6273,7 +8700,7 @@
                 <a16:creationId xmlns:a16="http://schemas.microsoft.com/office/drawing/2014/main" id="{9C21570E-E159-49A6-9891-FA397B7A92D3}"/>
               </a:ext>
               <a:ext uri="{C183D7F6-B498-43B3-948B-1728B52AA6E4}">
-                <adec:decorative xmlns:adec="http://schemas.microsoft.com/office/drawing/2017/decorative" xmlns="" val="1"/>
+                <adec:decorative xmlns:adec="http://schemas.microsoft.com/office/drawing/2017/decorative" val="1"/>
               </a:ext>
             </a:extLst>
           </p:cNvPr>
@@ -6419,7 +8846,7 @@
                 <a16:creationId xmlns:a16="http://schemas.microsoft.com/office/drawing/2014/main" id="{E95DA498-D9A2-4DA9-B9DA-B3776E08CF7E}"/>
               </a:ext>
               <a:ext uri="{C183D7F6-B498-43B3-948B-1728B52AA6E4}">
-                <adec:decorative xmlns:adec="http://schemas.microsoft.com/office/drawing/2017/decorative" xmlns="" val="1"/>
+                <adec:decorative xmlns:adec="http://schemas.microsoft.com/office/drawing/2017/decorative" val="1"/>
               </a:ext>
             </a:extLst>
           </p:cNvPr>
@@ -6481,7 +8908,7 @@
                 <a16:creationId xmlns:a16="http://schemas.microsoft.com/office/drawing/2014/main" id="{82A73093-4B9D-420D-B17E-52293703A1D4}"/>
               </a:ext>
               <a:ext uri="{C183D7F6-B498-43B3-948B-1728B52AA6E4}">
-                <adec:decorative xmlns:adec="http://schemas.microsoft.com/office/drawing/2017/decorative" xmlns="" val="1"/>
+                <adec:decorative xmlns:adec="http://schemas.microsoft.com/office/drawing/2017/decorative" val="1"/>
               </a:ext>
             </a:extLst>
           </p:cNvPr>
@@ -6551,6 +8978,14 @@
 <file path=ppt/slides/slide6.xml><?xml version="1.0" encoding="utf-8"?>
 <p:sld xmlns:a="http://schemas.openxmlformats.org/drawingml/2006/main" xmlns:r="http://schemas.openxmlformats.org/officeDocument/2006/relationships" xmlns:p="http://schemas.openxmlformats.org/presentationml/2006/main">
   <p:cSld>
+    <p:bg>
+      <p:bgPr>
+        <a:solidFill>
+          <a:schemeClr val="bg1"/>
+        </a:solidFill>
+        <a:effectLst/>
+      </p:bgPr>
+    </p:bg>
     <p:spTree>
       <p:nvGrpSpPr>
         <p:cNvPr id="1" name=""/>
@@ -6581,9 +9016,16 @@
             <p:ph type="title"/>
           </p:nvPr>
         </p:nvSpPr>
-        <p:spPr/>
-        <p:txBody>
-          <a:bodyPr/>
+        <p:spPr>
+          <a:xfrm>
+            <a:off x="1097280" y="286603"/>
+            <a:ext cx="10058400" cy="1450757"/>
+          </a:xfrm>
+        </p:spPr>
+        <p:txBody>
+          <a:bodyPr>
+            <a:normAutofit/>
+          </a:bodyPr>
           <a:lstStyle/>
           <a:p>
             <a:r>
@@ -6609,9 +9051,16 @@
             <p:ph idx="1"/>
           </p:nvPr>
         </p:nvSpPr>
-        <p:spPr/>
-        <p:txBody>
-          <a:bodyPr/>
+        <p:spPr>
+          <a:xfrm>
+            <a:off x="1097279" y="1845734"/>
+            <a:ext cx="6454987" cy="4023360"/>
+          </a:xfrm>
+        </p:spPr>
+        <p:txBody>
+          <a:bodyPr vert="horz" lIns="0" tIns="45720" rIns="0" bIns="45720" rtlCol="0" anchor="t">
+            <a:normAutofit/>
+          </a:bodyPr>
           <a:lstStyle/>
           <a:p>
             <a:r>
@@ -6622,41 +9071,97 @@
           <a:p>
             <a:r>
               <a:rPr lang="cs-CZ" dirty="0"/>
-              <a:t>Menší, výkonnější</a:t>
-            </a:r>
-            <a:r>
-              <a:rPr lang="cs-CZ"/>
-              <a:t>, úspornější</a:t>
-            </a:r>
-          </a:p>
-          <a:p>
-            <a:r>
-              <a:rPr lang="cs-CZ"/>
-              <a:t>Vše </a:t>
-            </a:r>
-            <a:r>
-              <a:rPr lang="cs-CZ" dirty="0"/>
-              <a:t>v jednom: </a:t>
-            </a:r>
-            <a:r>
-              <a:rPr lang="cs-CZ" dirty="0" err="1"/>
+              <a:t>Menší, výkonnější, úspornější</a:t>
+            </a:r>
+            <a:endParaRPr lang="cs-CZ" dirty="0">
+              <a:ea typeface="Calibri"/>
+              <a:cs typeface="Calibri"/>
+            </a:endParaRPr>
+          </a:p>
+          <a:p>
+            <a:r>
+              <a:rPr lang="cs-CZ" dirty="0">
+                <a:ea typeface="Calibri"/>
+                <a:cs typeface="Calibri"/>
+              </a:rPr>
+              <a:t>Dříve byly jednotlivé komponenty zvlášť - procesor, paměti, grafická karta</a:t>
+            </a:r>
+          </a:p>
+          <a:p>
+            <a:r>
+              <a:rPr lang="cs-CZ" dirty="0">
+                <a:ea typeface="Calibri"/>
+                <a:cs typeface="Calibri"/>
+              </a:rPr>
+              <a:t>Dnes jsme schopni vše umístit na samotný čip </a:t>
+            </a:r>
+          </a:p>
+          <a:p>
+            <a:pPr marL="383540" lvl="1">
+              <a:buFont typeface="Courier New" panose="020F0502020204030204" pitchFamily="34" charset="0"/>
+              <a:buChar char="o"/>
+            </a:pPr>
+            <a:r>
+              <a:rPr lang="cs-CZ" dirty="0" err="1">
+                <a:ea typeface="Calibri"/>
+                <a:cs typeface="Calibri"/>
+              </a:rPr>
               <a:t>SoC</a:t>
             </a:r>
             <a:r>
-              <a:rPr lang="cs-CZ" dirty="0"/>
-              <a:t> (</a:t>
-            </a:r>
-            <a:r>
-              <a:rPr lang="cs-CZ" dirty="0" err="1"/>
+              <a:rPr lang="cs-CZ" dirty="0">
+                <a:ea typeface="Calibri"/>
+                <a:cs typeface="Calibri"/>
+              </a:rPr>
+              <a:t> - </a:t>
+            </a:r>
+            <a:r>
+              <a:rPr lang="cs-CZ" dirty="0" err="1">
+                <a:ea typeface="Calibri"/>
+                <a:cs typeface="Calibri"/>
+              </a:rPr>
               <a:t>System</a:t>
             </a:r>
             <a:r>
-              <a:rPr lang="cs-CZ" dirty="0"/>
-              <a:t> on Chip)</a:t>
-            </a:r>
-          </a:p>
-        </p:txBody>
-      </p:sp>
+              <a:rPr lang="cs-CZ" dirty="0">
+                <a:ea typeface="Calibri"/>
+                <a:cs typeface="Calibri"/>
+              </a:rPr>
+              <a:t> on Chip</a:t>
+            </a:r>
+          </a:p>
+        </p:txBody>
+      </p:sp>
+      <p:pic>
+        <p:nvPicPr>
+          <p:cNvPr id="4" name="Obrázek 3" descr="Obsah obrázku elektronika, Počítačová komponenta, Elektronické zařízení, Elektronické inženýrství&#10;&#10;Obsah generovaný pomocí AI může být nesprávný.">
+            <a:extLst>
+              <a:ext uri="{FF2B5EF4-FFF2-40B4-BE49-F238E27FC236}">
+                <a16:creationId xmlns:a16="http://schemas.microsoft.com/office/drawing/2014/main" id="{31797625-8E33-D643-FF29-75BA201B73E4}"/>
+              </a:ext>
+            </a:extLst>
+          </p:cNvPr>
+          <p:cNvPicPr>
+            <a:picLocks noChangeAspect="1"/>
+          </p:cNvPicPr>
+          <p:nvPr/>
+        </p:nvPicPr>
+        <p:blipFill>
+          <a:blip r:embed="rId2"/>
+          <a:stretch>
+            <a:fillRect/>
+          </a:stretch>
+        </p:blipFill>
+        <p:spPr>
+          <a:xfrm>
+            <a:off x="8020570" y="2608688"/>
+            <a:ext cx="3135109" cy="2086272"/>
+          </a:xfrm>
+          <a:prstGeom prst="rect">
+            <a:avLst/>
+          </a:prstGeom>
+        </p:spPr>
+      </p:pic>
     </p:spTree>
     <p:extLst>
       <p:ext uri="{BB962C8B-B14F-4D97-AF65-F5344CB8AC3E}">
@@ -6673,6 +9178,14 @@
 <file path=ppt/slides/slide7.xml><?xml version="1.0" encoding="utf-8"?>
 <p:sld xmlns:a="http://schemas.openxmlformats.org/drawingml/2006/main" xmlns:r="http://schemas.openxmlformats.org/officeDocument/2006/relationships" xmlns:p="http://schemas.openxmlformats.org/presentationml/2006/main">
   <p:cSld>
+    <p:bg>
+      <p:bgPr>
+        <a:solidFill>
+          <a:schemeClr val="bg1"/>
+        </a:solidFill>
+        <a:effectLst/>
+      </p:bgPr>
+    </p:bg>
     <p:spTree>
       <p:nvGrpSpPr>
         <p:cNvPr id="1" name=""/>
@@ -6687,6 +9200,66 @@
           <a:chExt cx="0" cy="0"/>
         </a:xfrm>
       </p:grpSpPr>
+      <p:sp useBgFill="1">
+        <p:nvSpPr>
+          <p:cNvPr id="10" name="Rectangle 9">
+            <a:extLst>
+              <a:ext uri="{FF2B5EF4-FFF2-40B4-BE49-F238E27FC236}">
+                <a16:creationId xmlns:a16="http://schemas.microsoft.com/office/drawing/2014/main" id="{284B70D5-875B-433D-BDBD-1522A85D6C1D}"/>
+              </a:ext>
+              <a:ext uri="{C183D7F6-B498-43B3-948B-1728B52AA6E4}">
+                <adec:decorative xmlns:adec="http://schemas.microsoft.com/office/drawing/2017/decorative" val="1"/>
+              </a:ext>
+            </a:extLst>
+          </p:cNvPr>
+          <p:cNvSpPr>
+            <a:spLocks noGrp="1" noRot="1" noChangeAspect="1" noMove="1" noResize="1" noEditPoints="1" noAdjustHandles="1" noChangeArrowheads="1" noChangeShapeType="1" noTextEdit="1"/>
+          </p:cNvSpPr>
+          <p:nvPr>
+            <p:extLst>
+              <p:ext uri="{386F3935-93C4-4BCD-93E2-E3B085C9AB24}">
+                <p16:designElem xmlns:p16="http://schemas.microsoft.com/office/powerpoint/2015/main" val="1"/>
+              </p:ext>
+            </p:extLst>
+          </p:nvPr>
+        </p:nvSpPr>
+        <p:spPr>
+          <a:xfrm>
+            <a:off x="0" y="0"/>
+            <a:ext cx="12192001" cy="6334316"/>
+          </a:xfrm>
+          <a:prstGeom prst="rect">
+            <a:avLst/>
+          </a:prstGeom>
+          <a:ln>
+            <a:noFill/>
+          </a:ln>
+        </p:spPr>
+        <p:style>
+          <a:lnRef idx="2">
+            <a:schemeClr val="accent1">
+              <a:shade val="50000"/>
+            </a:schemeClr>
+          </a:lnRef>
+          <a:fillRef idx="1">
+            <a:schemeClr val="accent1"/>
+          </a:fillRef>
+          <a:effectRef idx="0">
+            <a:schemeClr val="accent1"/>
+          </a:effectRef>
+          <a:fontRef idx="minor">
+            <a:schemeClr val="lt1"/>
+          </a:fontRef>
+        </p:style>
+        <p:txBody>
+          <a:bodyPr rtlCol="0" anchor="ctr"/>
+          <a:lstStyle/>
+          <a:p>
+            <a:pPr algn="ctr"/>
+            <a:endParaRPr lang="en-US"/>
+          </a:p>
+        </p:txBody>
+      </p:sp>
       <p:sp>
         <p:nvSpPr>
           <p:cNvPr id="2" name="Nadpis 1"/>
@@ -6697,69 +9270,21 @@
             <p:ph type="title"/>
           </p:nvPr>
         </p:nvSpPr>
-        <p:spPr/>
-        <p:txBody>
-          <a:bodyPr/>
+        <p:spPr>
+          <a:xfrm>
+            <a:off x="7859485" y="634946"/>
+            <a:ext cx="3690257" cy="1450757"/>
+          </a:xfrm>
+        </p:spPr>
+        <p:txBody>
+          <a:bodyPr>
+            <a:normAutofit/>
+          </a:bodyPr>
           <a:lstStyle/>
           <a:p>
             <a:r>
-              <a:rPr lang="cs-CZ" dirty="0" smtClean="0"/>
-              <a:t>Von Neumannova </a:t>
-            </a:r>
-            <a:r>
-              <a:rPr lang="cs-CZ" dirty="0" err="1" smtClean="0"/>
-              <a:t>architekture</a:t>
-            </a:r>
-            <a:endParaRPr lang="cs-CZ" dirty="0"/>
-          </a:p>
-        </p:txBody>
-      </p:sp>
-      <p:sp>
-        <p:nvSpPr>
-          <p:cNvPr id="3" name="Zástupný symbol pro obsah 2"/>
-          <p:cNvSpPr>
-            <a:spLocks noGrp="1"/>
-          </p:cNvSpPr>
-          <p:nvPr>
-            <p:ph idx="1"/>
-          </p:nvPr>
-        </p:nvSpPr>
-        <p:spPr/>
-        <p:txBody>
-          <a:bodyPr/>
-          <a:lstStyle/>
-          <a:p>
-            <a:r>
-              <a:rPr lang="cs-CZ" dirty="0"/>
-              <a:t>Navržena r. 1945 Johnem von </a:t>
-            </a:r>
-            <a:r>
-              <a:rPr lang="cs-CZ" dirty="0" smtClean="0"/>
-              <a:t>Neumannem</a:t>
-            </a:r>
-          </a:p>
-          <a:p>
-            <a:r>
-              <a:rPr lang="cs-CZ" dirty="0" smtClean="0"/>
-              <a:t>Jedna </a:t>
-            </a:r>
-            <a:r>
-              <a:rPr lang="cs-CZ" dirty="0"/>
-              <a:t>paměť pro data i </a:t>
-            </a:r>
-            <a:r>
-              <a:rPr lang="cs-CZ" dirty="0" smtClean="0"/>
-              <a:t>instrukce</a:t>
-            </a:r>
-          </a:p>
-          <a:p>
-            <a:r>
-              <a:rPr lang="cs-CZ" dirty="0" smtClean="0"/>
-              <a:t>CPU </a:t>
-            </a:r>
-            <a:r>
-              <a:rPr lang="cs-CZ" dirty="0"/>
-              <a:t>čte instrukce → provádí → ukládá výsledky</a:t>
+              <a:rPr lang="cs-CZ" sz="3700" dirty="0"/>
+              <a:t>Von Neumannova architektura</a:t>
             </a:r>
           </a:p>
         </p:txBody>
@@ -6779,14 +9304,283 @@
         </p:blipFill>
         <p:spPr>
           <a:xfrm>
-            <a:off x="6496050" y="3219085"/>
-            <a:ext cx="4186604" cy="2249732"/>
+            <a:off x="633999" y="1443432"/>
+            <a:ext cx="6909801" cy="3707704"/>
           </a:xfrm>
           <a:prstGeom prst="rect">
             <a:avLst/>
           </a:prstGeom>
         </p:spPr>
       </p:pic>
+      <p:cxnSp>
+        <p:nvCxnSpPr>
+          <p:cNvPr id="12" name="Straight Connector 11">
+            <a:extLst>
+              <a:ext uri="{FF2B5EF4-FFF2-40B4-BE49-F238E27FC236}">
+                <a16:creationId xmlns:a16="http://schemas.microsoft.com/office/drawing/2014/main" id="{C947DF4A-614C-4B4C-8B80-E5B9D8E8CFED}"/>
+              </a:ext>
+              <a:ext uri="{C183D7F6-B498-43B3-948B-1728B52AA6E4}">
+                <adec:decorative xmlns:adec="http://schemas.microsoft.com/office/drawing/2017/decorative" val="1"/>
+              </a:ext>
+            </a:extLst>
+          </p:cNvPr>
+          <p:cNvCxnSpPr>
+            <a:cxnSpLocks noGrp="1" noRot="1" noChangeAspect="1" noMove="1" noResize="1" noEditPoints="1" noAdjustHandles="1" noChangeArrowheads="1" noChangeShapeType="1"/>
+          </p:cNvCxnSpPr>
+          <p:nvPr>
+            <p:extLst>
+              <p:ext uri="{386F3935-93C4-4BCD-93E2-E3B085C9AB24}">
+                <p16:designElem xmlns:p16="http://schemas.microsoft.com/office/powerpoint/2015/main" val="1"/>
+              </p:ext>
+            </p:extLst>
+          </p:nvPr>
+        </p:nvCxnSpPr>
+        <p:spPr>
+          <a:xfrm>
+            <a:off x="7892143" y="2085703"/>
+            <a:ext cx="3566160" cy="0"/>
+          </a:xfrm>
+          <a:prstGeom prst="line">
+            <a:avLst/>
+          </a:prstGeom>
+          <a:ln w="6350">
+            <a:solidFill>
+              <a:schemeClr val="tx1">
+                <a:lumMod val="50000"/>
+                <a:lumOff val="50000"/>
+                <a:alpha val="90000"/>
+              </a:schemeClr>
+            </a:solidFill>
+          </a:ln>
+        </p:spPr>
+        <p:style>
+          <a:lnRef idx="1">
+            <a:schemeClr val="accent1"/>
+          </a:lnRef>
+          <a:fillRef idx="0">
+            <a:schemeClr val="accent1"/>
+          </a:fillRef>
+          <a:effectRef idx="0">
+            <a:schemeClr val="accent1"/>
+          </a:effectRef>
+          <a:fontRef idx="minor">
+            <a:schemeClr val="tx1"/>
+          </a:fontRef>
+        </p:style>
+      </p:cxnSp>
+      <p:sp>
+        <p:nvSpPr>
+          <p:cNvPr id="3" name="Zástupný symbol pro obsah 2"/>
+          <p:cNvSpPr>
+            <a:spLocks noGrp="1"/>
+          </p:cNvSpPr>
+          <p:nvPr>
+            <p:ph idx="1"/>
+          </p:nvPr>
+        </p:nvSpPr>
+        <p:spPr>
+          <a:xfrm>
+            <a:off x="7859485" y="2198914"/>
+            <a:ext cx="3690257" cy="3670180"/>
+          </a:xfrm>
+        </p:spPr>
+        <p:txBody>
+          <a:bodyPr>
+            <a:normAutofit/>
+          </a:bodyPr>
+          <a:lstStyle/>
+          <a:p>
+            <a:r>
+              <a:rPr lang="cs-CZ" dirty="0"/>
+              <a:t>Navržena r. 1945 Johnem von Neumannem</a:t>
+            </a:r>
+          </a:p>
+          <a:p>
+            <a:r>
+              <a:rPr lang="cs-CZ" dirty="0"/>
+              <a:t>Jedna paměť pro data i instrukce</a:t>
+            </a:r>
+          </a:p>
+          <a:p>
+            <a:r>
+              <a:rPr lang="cs-CZ" dirty="0"/>
+              <a:t>CPU čte instrukce → provádí → ukládá výsledky</a:t>
+            </a:r>
+          </a:p>
+        </p:txBody>
+      </p:sp>
+      <p:sp>
+        <p:nvSpPr>
+          <p:cNvPr id="14" name="Rectangle 13">
+            <a:extLst>
+              <a:ext uri="{FF2B5EF4-FFF2-40B4-BE49-F238E27FC236}">
+                <a16:creationId xmlns:a16="http://schemas.microsoft.com/office/drawing/2014/main" id="{1E299956-A9E7-4FC1-A0B1-D590CA9730E8}"/>
+              </a:ext>
+              <a:ext uri="{C183D7F6-B498-43B3-948B-1728B52AA6E4}">
+                <adec:decorative xmlns:adec="http://schemas.microsoft.com/office/drawing/2017/decorative" val="1"/>
+              </a:ext>
+            </a:extLst>
+          </p:cNvPr>
+          <p:cNvSpPr>
+            <a:spLocks noGrp="1" noRot="1" noChangeAspect="1" noMove="1" noResize="1" noEditPoints="1" noAdjustHandles="1" noChangeArrowheads="1" noChangeShapeType="1" noTextEdit="1"/>
+          </p:cNvSpPr>
+          <p:nvPr>
+            <p:extLst>
+              <p:ext uri="{386F3935-93C4-4BCD-93E2-E3B085C9AB24}">
+                <p16:designElem xmlns:p16="http://schemas.microsoft.com/office/powerpoint/2015/main" val="1"/>
+              </p:ext>
+            </p:extLst>
+          </p:nvPr>
+        </p:nvSpPr>
+        <p:spPr>
+          <a:xfrm>
+            <a:off x="15" y="6334316"/>
+            <a:ext cx="12191985" cy="66484"/>
+          </a:xfrm>
+          <a:prstGeom prst="rect">
+            <a:avLst/>
+          </a:prstGeom>
+          <a:solidFill>
+            <a:schemeClr val="accent1"/>
+          </a:solidFill>
+          <a:ln>
+            <a:noFill/>
+          </a:ln>
+        </p:spPr>
+        <p:style>
+          <a:lnRef idx="2">
+            <a:schemeClr val="accent1">
+              <a:shade val="50000"/>
+            </a:schemeClr>
+          </a:lnRef>
+          <a:fillRef idx="1">
+            <a:schemeClr val="accent1"/>
+          </a:fillRef>
+          <a:effectRef idx="0">
+            <a:schemeClr val="accent1"/>
+          </a:effectRef>
+          <a:fontRef idx="minor">
+            <a:schemeClr val="lt1"/>
+          </a:fontRef>
+        </p:style>
+      </p:sp>
+      <p:sp>
+        <p:nvSpPr>
+          <p:cNvPr id="16" name="Rectangle 15">
+            <a:extLst>
+              <a:ext uri="{FF2B5EF4-FFF2-40B4-BE49-F238E27FC236}">
+                <a16:creationId xmlns:a16="http://schemas.microsoft.com/office/drawing/2014/main" id="{17FC539C-B783-4B03-9F9E-D13430F3F64F}"/>
+              </a:ext>
+              <a:ext uri="{C183D7F6-B498-43B3-948B-1728B52AA6E4}">
+                <adec:decorative xmlns:adec="http://schemas.microsoft.com/office/drawing/2017/decorative" val="1"/>
+              </a:ext>
+            </a:extLst>
+          </p:cNvPr>
+          <p:cNvSpPr>
+            <a:spLocks noGrp="1" noRot="1" noChangeAspect="1" noMove="1" noResize="1" noEditPoints="1" noAdjustHandles="1" noChangeArrowheads="1" noChangeShapeType="1" noTextEdit="1"/>
+          </p:cNvSpPr>
+          <p:nvPr>
+            <p:extLst>
+              <p:ext uri="{386F3935-93C4-4BCD-93E2-E3B085C9AB24}">
+                <p16:designElem xmlns:p16="http://schemas.microsoft.com/office/powerpoint/2015/main" val="1"/>
+              </p:ext>
+            </p:extLst>
+          </p:nvPr>
+        </p:nvSpPr>
+        <p:spPr>
+          <a:xfrm>
+            <a:off x="1" y="6400800"/>
+            <a:ext cx="12192000" cy="457200"/>
+          </a:xfrm>
+          <a:prstGeom prst="rect">
+            <a:avLst/>
+          </a:prstGeom>
+          <a:solidFill>
+            <a:schemeClr val="accent2"/>
+          </a:solidFill>
+          <a:ln>
+            <a:noFill/>
+          </a:ln>
+        </p:spPr>
+        <p:style>
+          <a:lnRef idx="2">
+            <a:schemeClr val="accent1">
+              <a:shade val="50000"/>
+            </a:schemeClr>
+          </a:lnRef>
+          <a:fillRef idx="1">
+            <a:schemeClr val="accent1"/>
+          </a:fillRef>
+          <a:effectRef idx="0">
+            <a:schemeClr val="accent1"/>
+          </a:effectRef>
+          <a:fontRef idx="minor">
+            <a:schemeClr val="lt1"/>
+          </a:fontRef>
+        </p:style>
+      </p:sp>
+      <p:sp>
+        <p:nvSpPr>
+          <p:cNvPr id="6" name="Obdélník 5">
+            <a:extLst>
+              <a:ext uri="{FF2B5EF4-FFF2-40B4-BE49-F238E27FC236}">
+                <a16:creationId xmlns:a16="http://schemas.microsoft.com/office/drawing/2014/main" id="{22921305-BDCB-98B4-4EC3-CB77A9FE0B5F}"/>
+              </a:ext>
+            </a:extLst>
+          </p:cNvPr>
+          <p:cNvSpPr/>
+          <p:nvPr/>
+        </p:nvSpPr>
+        <p:spPr>
+          <a:xfrm>
+            <a:off x="3711677" y="2986548"/>
+            <a:ext cx="1229032" cy="491612"/>
+          </a:xfrm>
+          <a:prstGeom prst="rect">
+            <a:avLst/>
+          </a:prstGeom>
+          <a:solidFill>
+            <a:schemeClr val="bg1"/>
+          </a:solidFill>
+          <a:ln>
+            <a:noFill/>
+          </a:ln>
+        </p:spPr>
+        <p:style>
+          <a:lnRef idx="2">
+            <a:schemeClr val="accent1">
+              <a:shade val="15000"/>
+            </a:schemeClr>
+          </a:lnRef>
+          <a:fillRef idx="1">
+            <a:schemeClr val="accent1"/>
+          </a:fillRef>
+          <a:effectRef idx="0">
+            <a:schemeClr val="accent1"/>
+          </a:effectRef>
+          <a:fontRef idx="minor">
+            <a:schemeClr val="lt1"/>
+          </a:fontRef>
+        </p:style>
+        <p:txBody>
+          <a:bodyPr rtlCol="0" anchor="ctr"/>
+          <a:lstStyle/>
+          <a:p>
+            <a:pPr algn="ctr"/>
+            <a:r>
+              <a:rPr lang="cs-CZ" b="1" dirty="0">
+                <a:solidFill>
+                  <a:srgbClr val="0800FF"/>
+                </a:solidFill>
+                <a:latin typeface="Arial"/>
+                <a:ea typeface="Calibri"/>
+                <a:cs typeface="Calibri"/>
+              </a:rPr>
+              <a:t>ALU</a:t>
+            </a:r>
+          </a:p>
+        </p:txBody>
+      </p:sp>
     </p:spTree>
     <p:extLst>
       <p:ext uri="{BB962C8B-B14F-4D97-AF65-F5344CB8AC3E}">
@@ -6803,6 +9597,14 @@
 <file path=ppt/slides/slide8.xml><?xml version="1.0" encoding="utf-8"?>
 <p:sld xmlns:a="http://schemas.openxmlformats.org/drawingml/2006/main" xmlns:r="http://schemas.openxmlformats.org/officeDocument/2006/relationships" xmlns:p="http://schemas.openxmlformats.org/presentationml/2006/main">
   <p:cSld>
+    <p:bg>
+      <p:bgPr>
+        <a:solidFill>
+          <a:schemeClr val="bg1"/>
+        </a:solidFill>
+        <a:effectLst/>
+      </p:bgPr>
+    </p:bg>
     <p:spTree>
       <p:nvGrpSpPr>
         <p:cNvPr id="1" name=""/>
@@ -6817,6 +9619,66 @@
           <a:chExt cx="0" cy="0"/>
         </a:xfrm>
       </p:grpSpPr>
+      <p:sp useBgFill="1">
+        <p:nvSpPr>
+          <p:cNvPr id="33" name="Rectangle 32">
+            <a:extLst>
+              <a:ext uri="{FF2B5EF4-FFF2-40B4-BE49-F238E27FC236}">
+                <a16:creationId xmlns:a16="http://schemas.microsoft.com/office/drawing/2014/main" id="{52ABB703-2B0E-4C3B-B4A2-F3973548E561}"/>
+              </a:ext>
+              <a:ext uri="{C183D7F6-B498-43B3-948B-1728B52AA6E4}">
+                <adec:decorative xmlns:adec="http://schemas.microsoft.com/office/drawing/2017/decorative" val="1"/>
+              </a:ext>
+            </a:extLst>
+          </p:cNvPr>
+          <p:cNvSpPr>
+            <a:spLocks noGrp="1" noRot="1" noChangeAspect="1" noMove="1" noResize="1" noEditPoints="1" noAdjustHandles="1" noChangeArrowheads="1" noChangeShapeType="1" noTextEdit="1"/>
+          </p:cNvSpPr>
+          <p:nvPr>
+            <p:extLst>
+              <p:ext uri="{386F3935-93C4-4BCD-93E2-E3B085C9AB24}">
+                <p16:designElem xmlns:p16="http://schemas.microsoft.com/office/powerpoint/2015/main" val="1"/>
+              </p:ext>
+            </p:extLst>
+          </p:nvPr>
+        </p:nvSpPr>
+        <p:spPr>
+          <a:xfrm>
+            <a:off x="0" y="0"/>
+            <a:ext cx="12192001" cy="6334316"/>
+          </a:xfrm>
+          <a:prstGeom prst="rect">
+            <a:avLst/>
+          </a:prstGeom>
+          <a:ln>
+            <a:noFill/>
+          </a:ln>
+        </p:spPr>
+        <p:style>
+          <a:lnRef idx="2">
+            <a:schemeClr val="accent1">
+              <a:shade val="50000"/>
+            </a:schemeClr>
+          </a:lnRef>
+          <a:fillRef idx="1">
+            <a:schemeClr val="accent1"/>
+          </a:fillRef>
+          <a:effectRef idx="0">
+            <a:schemeClr val="accent1"/>
+          </a:effectRef>
+          <a:fontRef idx="minor">
+            <a:schemeClr val="lt1"/>
+          </a:fontRef>
+        </p:style>
+        <p:txBody>
+          <a:bodyPr rtlCol="0" anchor="ctr"/>
+          <a:lstStyle/>
+          <a:p>
+            <a:pPr algn="ctr"/>
+            <a:endParaRPr lang="en-US"/>
+          </a:p>
+        </p:txBody>
+      </p:sp>
       <p:sp>
         <p:nvSpPr>
           <p:cNvPr id="2" name="Nadpis 1"/>
@@ -6827,19 +9689,111 @@
             <p:ph type="title"/>
           </p:nvPr>
         </p:nvSpPr>
-        <p:spPr/>
-        <p:txBody>
-          <a:bodyPr/>
+        <p:spPr>
+          <a:xfrm>
+            <a:off x="6411685" y="634946"/>
+            <a:ext cx="5127171" cy="1450757"/>
+          </a:xfrm>
+        </p:spPr>
+        <p:txBody>
+          <a:bodyPr>
+            <a:normAutofit/>
+          </a:bodyPr>
           <a:lstStyle/>
           <a:p>
             <a:r>
-              <a:rPr lang="cs-CZ" dirty="0" smtClean="0"/>
+              <a:rPr lang="cs-CZ"/>
               <a:t>Harvardská architektura</a:t>
             </a:r>
-            <a:endParaRPr lang="cs-CZ" dirty="0"/>
-          </a:p>
-        </p:txBody>
-      </p:sp>
+          </a:p>
+        </p:txBody>
+      </p:sp>
+      <p:pic>
+        <p:nvPicPr>
+          <p:cNvPr id="19" name="Obrázek 18" descr="Obsah obrázku text, snímek obrazovky, Písmo, diagram&#10;&#10;Obsah generovaný pomocí AI může být nesprávný.">
+            <a:extLst>
+              <a:ext uri="{FF2B5EF4-FFF2-40B4-BE49-F238E27FC236}">
+                <a16:creationId xmlns:a16="http://schemas.microsoft.com/office/drawing/2014/main" id="{69795C2B-B7FF-4CF6-BA9A-443E463DBB42}"/>
+              </a:ext>
+            </a:extLst>
+          </p:cNvPr>
+          <p:cNvPicPr>
+            <a:picLocks noChangeAspect="1"/>
+          </p:cNvPicPr>
+          <p:nvPr/>
+        </p:nvPicPr>
+        <p:blipFill>
+          <a:blip r:embed="rId2"/>
+          <a:stretch>
+            <a:fillRect/>
+          </a:stretch>
+        </p:blipFill>
+        <p:spPr>
+          <a:xfrm>
+            <a:off x="643192" y="1524459"/>
+            <a:ext cx="5451627" cy="3489040"/>
+          </a:xfrm>
+          <a:prstGeom prst="rect">
+            <a:avLst/>
+          </a:prstGeom>
+        </p:spPr>
+      </p:pic>
+      <p:cxnSp>
+        <p:nvCxnSpPr>
+          <p:cNvPr id="35" name="Straight Connector 34">
+            <a:extLst>
+              <a:ext uri="{FF2B5EF4-FFF2-40B4-BE49-F238E27FC236}">
+                <a16:creationId xmlns:a16="http://schemas.microsoft.com/office/drawing/2014/main" id="{9C21570E-E159-49A6-9891-FA397B7A92D3}"/>
+              </a:ext>
+              <a:ext uri="{C183D7F6-B498-43B3-948B-1728B52AA6E4}">
+                <adec:decorative xmlns:adec="http://schemas.microsoft.com/office/drawing/2017/decorative" val="1"/>
+              </a:ext>
+            </a:extLst>
+          </p:cNvPr>
+          <p:cNvCxnSpPr>
+            <a:cxnSpLocks noGrp="1" noRot="1" noChangeAspect="1" noMove="1" noResize="1" noEditPoints="1" noAdjustHandles="1" noChangeArrowheads="1" noChangeShapeType="1"/>
+          </p:cNvCxnSpPr>
+          <p:nvPr>
+            <p:extLst>
+              <p:ext uri="{386F3935-93C4-4BCD-93E2-E3B085C9AB24}">
+                <p16:designElem xmlns:p16="http://schemas.microsoft.com/office/powerpoint/2015/main" val="1"/>
+              </p:ext>
+            </p:extLst>
+          </p:nvPr>
+        </p:nvCxnSpPr>
+        <p:spPr>
+          <a:xfrm>
+            <a:off x="6411684" y="2086188"/>
+            <a:ext cx="4748808" cy="0"/>
+          </a:xfrm>
+          <a:prstGeom prst="line">
+            <a:avLst/>
+          </a:prstGeom>
+          <a:ln w="6350">
+            <a:solidFill>
+              <a:schemeClr val="tx1">
+                <a:lumMod val="50000"/>
+                <a:lumOff val="50000"/>
+                <a:alpha val="90000"/>
+              </a:schemeClr>
+            </a:solidFill>
+          </a:ln>
+        </p:spPr>
+        <p:style>
+          <a:lnRef idx="1">
+            <a:schemeClr val="accent1"/>
+          </a:lnRef>
+          <a:fillRef idx="0">
+            <a:schemeClr val="accent1"/>
+          </a:fillRef>
+          <a:effectRef idx="0">
+            <a:schemeClr val="accent1"/>
+          </a:effectRef>
+          <a:fontRef idx="minor">
+            <a:schemeClr val="tx1"/>
+          </a:fontRef>
+        </p:style>
+      </p:cxnSp>
       <p:sp>
         <p:nvSpPr>
           <p:cNvPr id="3" name="Zástupný symbol pro obsah 2"/>
@@ -6850,36 +9804,630 @@
             <p:ph idx="1"/>
           </p:nvPr>
         </p:nvSpPr>
-        <p:spPr/>
-        <p:txBody>
-          <a:bodyPr/>
+        <p:spPr>
+          <a:xfrm>
+            <a:off x="6411684" y="2198914"/>
+            <a:ext cx="5127172" cy="3670180"/>
+          </a:xfrm>
+        </p:spPr>
+        <p:txBody>
+          <a:bodyPr vert="horz" lIns="0" tIns="45720" rIns="0" bIns="45720" rtlCol="0">
+            <a:normAutofit/>
+          </a:bodyPr>
           <a:lstStyle/>
           <a:p>
             <a:r>
               <a:rPr lang="cs-CZ" dirty="0"/>
-              <a:t>Oddělená paměť pro data a </a:t>
-            </a:r>
-            <a:r>
-              <a:rPr lang="cs-CZ" dirty="0" smtClean="0"/>
-              <a:t>instrukce</a:t>
-            </a:r>
-          </a:p>
-          <a:p>
-            <a:r>
-              <a:rPr lang="cs-CZ" dirty="0" smtClean="0"/>
-              <a:t>Rychlejší </a:t>
-            </a:r>
+              <a:t>Oddělená paměť pro data a instrukce</a:t>
+            </a:r>
+          </a:p>
+          <a:p>
             <a:r>
               <a:rPr lang="cs-CZ" dirty="0"/>
-              <a:t>přístup</a:t>
-            </a:r>
-          </a:p>
-        </p:txBody>
+              <a:t>Rychlejší přístup</a:t>
+            </a:r>
+          </a:p>
+          <a:p>
+            <a:r>
+              <a:rPr lang="cs-CZ" dirty="0">
+                <a:ea typeface="Calibri" panose="020F0502020204030204"/>
+                <a:cs typeface="Calibri" panose="020F0502020204030204"/>
+              </a:rPr>
+              <a:t>Využití například pro </a:t>
+            </a:r>
+            <a:r>
+              <a:rPr lang="cs-CZ" dirty="0" err="1">
+                <a:ea typeface="Calibri" panose="020F0502020204030204"/>
+                <a:cs typeface="Calibri" panose="020F0502020204030204"/>
+              </a:rPr>
+              <a:t>Arduino</a:t>
+            </a:r>
+          </a:p>
+        </p:txBody>
+      </p:sp>
+      <p:sp>
+        <p:nvSpPr>
+          <p:cNvPr id="37" name="Rectangle 36">
+            <a:extLst>
+              <a:ext uri="{FF2B5EF4-FFF2-40B4-BE49-F238E27FC236}">
+                <a16:creationId xmlns:a16="http://schemas.microsoft.com/office/drawing/2014/main" id="{E95DA498-D9A2-4DA9-B9DA-B3776E08CF7E}"/>
+              </a:ext>
+              <a:ext uri="{C183D7F6-B498-43B3-948B-1728B52AA6E4}">
+                <adec:decorative xmlns:adec="http://schemas.microsoft.com/office/drawing/2017/decorative" val="1"/>
+              </a:ext>
+            </a:extLst>
+          </p:cNvPr>
+          <p:cNvSpPr>
+            <a:spLocks noGrp="1" noRot="1" noChangeAspect="1" noMove="1" noResize="1" noEditPoints="1" noAdjustHandles="1" noChangeArrowheads="1" noChangeShapeType="1" noTextEdit="1"/>
+          </p:cNvSpPr>
+          <p:nvPr>
+            <p:extLst>
+              <p:ext uri="{386F3935-93C4-4BCD-93E2-E3B085C9AB24}">
+                <p16:designElem xmlns:p16="http://schemas.microsoft.com/office/powerpoint/2015/main" val="1"/>
+              </p:ext>
+            </p:extLst>
+          </p:nvPr>
+        </p:nvSpPr>
+        <p:spPr>
+          <a:xfrm>
+            <a:off x="15" y="6334316"/>
+            <a:ext cx="12191985" cy="66484"/>
+          </a:xfrm>
+          <a:prstGeom prst="rect">
+            <a:avLst/>
+          </a:prstGeom>
+          <a:solidFill>
+            <a:schemeClr val="accent1"/>
+          </a:solidFill>
+          <a:ln>
+            <a:noFill/>
+          </a:ln>
+        </p:spPr>
+        <p:style>
+          <a:lnRef idx="2">
+            <a:schemeClr val="accent1">
+              <a:shade val="50000"/>
+            </a:schemeClr>
+          </a:lnRef>
+          <a:fillRef idx="1">
+            <a:schemeClr val="accent1"/>
+          </a:fillRef>
+          <a:effectRef idx="0">
+            <a:schemeClr val="accent1"/>
+          </a:effectRef>
+          <a:fontRef idx="minor">
+            <a:schemeClr val="lt1"/>
+          </a:fontRef>
+        </p:style>
+      </p:sp>
+      <p:sp>
+        <p:nvSpPr>
+          <p:cNvPr id="39" name="Rectangle 38">
+            <a:extLst>
+              <a:ext uri="{FF2B5EF4-FFF2-40B4-BE49-F238E27FC236}">
+                <a16:creationId xmlns:a16="http://schemas.microsoft.com/office/drawing/2014/main" id="{82A73093-4B9D-420D-B17E-52293703A1D4}"/>
+              </a:ext>
+              <a:ext uri="{C183D7F6-B498-43B3-948B-1728B52AA6E4}">
+                <adec:decorative xmlns:adec="http://schemas.microsoft.com/office/drawing/2017/decorative" val="1"/>
+              </a:ext>
+            </a:extLst>
+          </p:cNvPr>
+          <p:cNvSpPr>
+            <a:spLocks noGrp="1" noRot="1" noChangeAspect="1" noMove="1" noResize="1" noEditPoints="1" noAdjustHandles="1" noChangeArrowheads="1" noChangeShapeType="1" noTextEdit="1"/>
+          </p:cNvSpPr>
+          <p:nvPr>
+            <p:extLst>
+              <p:ext uri="{386F3935-93C4-4BCD-93E2-E3B085C9AB24}">
+                <p16:designElem xmlns:p16="http://schemas.microsoft.com/office/powerpoint/2015/main" val="1"/>
+              </p:ext>
+            </p:extLst>
+          </p:nvPr>
+        </p:nvSpPr>
+        <p:spPr>
+          <a:xfrm>
+            <a:off x="1" y="6400800"/>
+            <a:ext cx="12192000" cy="457200"/>
+          </a:xfrm>
+          <a:prstGeom prst="rect">
+            <a:avLst/>
+          </a:prstGeom>
+          <a:solidFill>
+            <a:schemeClr val="accent2"/>
+          </a:solidFill>
+          <a:ln>
+            <a:noFill/>
+          </a:ln>
+        </p:spPr>
+        <p:style>
+          <a:lnRef idx="2">
+            <a:schemeClr val="accent1">
+              <a:shade val="50000"/>
+            </a:schemeClr>
+          </a:lnRef>
+          <a:fillRef idx="1">
+            <a:schemeClr val="accent1"/>
+          </a:fillRef>
+          <a:effectRef idx="0">
+            <a:schemeClr val="accent1"/>
+          </a:effectRef>
+          <a:fontRef idx="minor">
+            <a:schemeClr val="lt1"/>
+          </a:fontRef>
+        </p:style>
       </p:sp>
     </p:spTree>
     <p:extLst>
       <p:ext uri="{BB962C8B-B14F-4D97-AF65-F5344CB8AC3E}">
         <p14:creationId xmlns:p14="http://schemas.microsoft.com/office/powerpoint/2010/main" val="3354684545"/>
+      </p:ext>
+    </p:extLst>
+  </p:cSld>
+  <p:clrMapOvr>
+    <a:masterClrMapping/>
+  </p:clrMapOvr>
+</p:sld>
+</file>
+
+<file path=ppt/slides/slide9.xml><?xml version="1.0" encoding="utf-8"?>
+<p:sld xmlns:a="http://schemas.openxmlformats.org/drawingml/2006/main" xmlns:r="http://schemas.openxmlformats.org/officeDocument/2006/relationships" xmlns:p="http://schemas.openxmlformats.org/presentationml/2006/main">
+  <p:cSld>
+    <p:bg>
+      <p:bgPr>
+        <a:solidFill>
+          <a:schemeClr val="bg1"/>
+        </a:solidFill>
+        <a:effectLst/>
+      </p:bgPr>
+    </p:bg>
+    <p:spTree>
+      <p:nvGrpSpPr>
+        <p:cNvPr id="1" name=""/>
+        <p:cNvGrpSpPr/>
+        <p:nvPr/>
+      </p:nvGrpSpPr>
+      <p:grpSpPr>
+        <a:xfrm>
+          <a:off x="0" y="0"/>
+          <a:ext cx="0" cy="0"/>
+          <a:chOff x="0" y="0"/>
+          <a:chExt cx="0" cy="0"/>
+        </a:xfrm>
+      </p:grpSpPr>
+      <p:sp useBgFill="1">
+        <p:nvSpPr>
+          <p:cNvPr id="9" name="Rectangle 8">
+            <a:extLst>
+              <a:ext uri="{FF2B5EF4-FFF2-40B4-BE49-F238E27FC236}">
+                <a16:creationId xmlns:a16="http://schemas.microsoft.com/office/drawing/2014/main" id="{311973C2-EB8B-452A-A698-4A252FD3AE28}"/>
+              </a:ext>
+              <a:ext uri="{C183D7F6-B498-43B3-948B-1728B52AA6E4}">
+                <adec:decorative xmlns:adec="http://schemas.microsoft.com/office/drawing/2017/decorative" val="1"/>
+              </a:ext>
+            </a:extLst>
+          </p:cNvPr>
+          <p:cNvSpPr>
+            <a:spLocks noGrp="1" noRot="1" noChangeAspect="1" noMove="1" noResize="1" noEditPoints="1" noAdjustHandles="1" noChangeArrowheads="1" noChangeShapeType="1" noTextEdit="1"/>
+          </p:cNvSpPr>
+          <p:nvPr>
+            <p:extLst>
+              <p:ext uri="{386F3935-93C4-4BCD-93E2-E3B085C9AB24}">
+                <p16:designElem xmlns:p16="http://schemas.microsoft.com/office/powerpoint/2015/main" val="1"/>
+              </p:ext>
+            </p:extLst>
+          </p:nvPr>
+        </p:nvSpPr>
+        <p:spPr>
+          <a:xfrm>
+            <a:off x="0" y="1"/>
+            <a:ext cx="12192000" cy="6857999"/>
+          </a:xfrm>
+          <a:prstGeom prst="rect">
+            <a:avLst/>
+          </a:prstGeom>
+          <a:ln>
+            <a:noFill/>
+          </a:ln>
+        </p:spPr>
+        <p:style>
+          <a:lnRef idx="2">
+            <a:schemeClr val="accent1">
+              <a:shade val="50000"/>
+            </a:schemeClr>
+          </a:lnRef>
+          <a:fillRef idx="1">
+            <a:schemeClr val="accent1"/>
+          </a:fillRef>
+          <a:effectRef idx="0">
+            <a:schemeClr val="accent1"/>
+          </a:effectRef>
+          <a:fontRef idx="minor">
+            <a:schemeClr val="lt1"/>
+          </a:fontRef>
+        </p:style>
+        <p:txBody>
+          <a:bodyPr rtlCol="0" anchor="ctr"/>
+          <a:lstStyle/>
+          <a:p>
+            <a:pPr algn="ctr"/>
+            <a:endParaRPr lang="en-US"/>
+          </a:p>
+        </p:txBody>
+      </p:sp>
+      <p:sp useBgFill="1">
+        <p:nvSpPr>
+          <p:cNvPr id="11" name="Rectangle 10">
+            <a:extLst>
+              <a:ext uri="{FF2B5EF4-FFF2-40B4-BE49-F238E27FC236}">
+                <a16:creationId xmlns:a16="http://schemas.microsoft.com/office/drawing/2014/main" id="{10162E77-11AD-44A7-84EC-40C59EEFBD2E}"/>
+              </a:ext>
+              <a:ext uri="{C183D7F6-B498-43B3-948B-1728B52AA6E4}">
+                <adec:decorative xmlns:adec="http://schemas.microsoft.com/office/drawing/2017/decorative" val="1"/>
+              </a:ext>
+            </a:extLst>
+          </p:cNvPr>
+          <p:cNvSpPr>
+            <a:spLocks noGrp="1" noRot="1" noChangeAspect="1" noMove="1" noResize="1" noEditPoints="1" noAdjustHandles="1" noChangeArrowheads="1" noChangeShapeType="1" noTextEdit="1"/>
+          </p:cNvSpPr>
+          <p:nvPr>
+            <p:extLst>
+              <p:ext uri="{386F3935-93C4-4BCD-93E2-E3B085C9AB24}">
+                <p16:designElem xmlns:p16="http://schemas.microsoft.com/office/powerpoint/2015/main" val="1"/>
+              </p:ext>
+            </p:extLst>
+          </p:nvPr>
+        </p:nvSpPr>
+        <p:spPr>
+          <a:xfrm>
+            <a:off x="0" y="0"/>
+            <a:ext cx="12192001" cy="6334316"/>
+          </a:xfrm>
+          <a:prstGeom prst="rect">
+            <a:avLst/>
+          </a:prstGeom>
+          <a:ln>
+            <a:noFill/>
+          </a:ln>
+        </p:spPr>
+        <p:style>
+          <a:lnRef idx="2">
+            <a:schemeClr val="accent1">
+              <a:shade val="50000"/>
+            </a:schemeClr>
+          </a:lnRef>
+          <a:fillRef idx="1">
+            <a:schemeClr val="accent1"/>
+          </a:fillRef>
+          <a:effectRef idx="0">
+            <a:schemeClr val="accent1"/>
+          </a:effectRef>
+          <a:fontRef idx="minor">
+            <a:schemeClr val="lt1"/>
+          </a:fontRef>
+        </p:style>
+        <p:txBody>
+          <a:bodyPr rtlCol="0" anchor="ctr"/>
+          <a:lstStyle/>
+          <a:p>
+            <a:pPr algn="ctr"/>
+            <a:endParaRPr lang="en-US"/>
+          </a:p>
+        </p:txBody>
+      </p:sp>
+      <p:sp>
+        <p:nvSpPr>
+          <p:cNvPr id="2" name="Nadpis 1">
+            <a:extLst>
+              <a:ext uri="{FF2B5EF4-FFF2-40B4-BE49-F238E27FC236}">
+                <a16:creationId xmlns:a16="http://schemas.microsoft.com/office/drawing/2014/main" id="{9D86A2A1-F745-5496-D760-681FF1304D75}"/>
+              </a:ext>
+            </a:extLst>
+          </p:cNvPr>
+          <p:cNvSpPr>
+            <a:spLocks noGrp="1"/>
+          </p:cNvSpPr>
+          <p:nvPr>
+            <p:ph type="title"/>
+          </p:nvPr>
+        </p:nvSpPr>
+        <p:spPr>
+          <a:xfrm>
+            <a:off x="5181601" y="634946"/>
+            <a:ext cx="6368142" cy="1450757"/>
+          </a:xfrm>
+        </p:spPr>
+        <p:txBody>
+          <a:bodyPr>
+            <a:normAutofit/>
+          </a:bodyPr>
+          <a:lstStyle/>
+          <a:p>
+            <a:r>
+              <a:rPr lang="cs-CZ" dirty="0">
+                <a:ea typeface="Calibri Light"/>
+                <a:cs typeface="Calibri Light"/>
+              </a:rPr>
+              <a:t>Současná architektura procesorů</a:t>
+            </a:r>
+            <a:endParaRPr lang="cs-CZ" dirty="0"/>
+          </a:p>
+        </p:txBody>
+      </p:sp>
+      <p:pic>
+        <p:nvPicPr>
+          <p:cNvPr id="5" name="Picture 4" descr="Deska s elektronickými obvody">
+            <a:extLst>
+              <a:ext uri="{FF2B5EF4-FFF2-40B4-BE49-F238E27FC236}">
+                <a16:creationId xmlns:a16="http://schemas.microsoft.com/office/drawing/2014/main" id="{BFC27C09-A18E-E44F-2C54-1F9093B795EF}"/>
+              </a:ext>
+            </a:extLst>
+          </p:cNvPr>
+          <p:cNvPicPr>
+            <a:picLocks noChangeAspect="1"/>
+          </p:cNvPicPr>
+          <p:nvPr/>
+        </p:nvPicPr>
+        <p:blipFill>
+          <a:blip r:embed="rId3"/>
+          <a:srcRect l="45808" r="9038" b="-1"/>
+          <a:stretch>
+            <a:fillRect/>
+          </a:stretch>
+        </p:blipFill>
+        <p:spPr>
+          <a:xfrm>
+            <a:off x="20" y="-12128"/>
+            <a:ext cx="4654276" cy="6870127"/>
+          </a:xfrm>
+          <a:prstGeom prst="rect">
+            <a:avLst/>
+          </a:prstGeom>
+        </p:spPr>
+      </p:pic>
+      <p:cxnSp>
+        <p:nvCxnSpPr>
+          <p:cNvPr id="13" name="Straight Connector 12">
+            <a:extLst>
+              <a:ext uri="{FF2B5EF4-FFF2-40B4-BE49-F238E27FC236}">
+                <a16:creationId xmlns:a16="http://schemas.microsoft.com/office/drawing/2014/main" id="{5AB158E9-1B40-4CD6-95F0-95CA11DF7B7A}"/>
+              </a:ext>
+              <a:ext uri="{C183D7F6-B498-43B3-948B-1728B52AA6E4}">
+                <adec:decorative xmlns:adec="http://schemas.microsoft.com/office/drawing/2017/decorative" val="1"/>
+              </a:ext>
+            </a:extLst>
+          </p:cNvPr>
+          <p:cNvCxnSpPr>
+            <a:cxnSpLocks noGrp="1" noRot="1" noChangeAspect="1" noMove="1" noResize="1" noEditPoints="1" noAdjustHandles="1" noChangeArrowheads="1" noChangeShapeType="1"/>
+          </p:cNvCxnSpPr>
+          <p:nvPr>
+            <p:extLst>
+              <p:ext uri="{386F3935-93C4-4BCD-93E2-E3B085C9AB24}">
+                <p16:designElem xmlns:p16="http://schemas.microsoft.com/office/powerpoint/2015/main" val="1"/>
+              </p:ext>
+            </p:extLst>
+          </p:nvPr>
+        </p:nvCxnSpPr>
+        <p:spPr>
+          <a:xfrm>
+            <a:off x="5287617" y="2085703"/>
+            <a:ext cx="6170686" cy="0"/>
+          </a:xfrm>
+          <a:prstGeom prst="line">
+            <a:avLst/>
+          </a:prstGeom>
+          <a:ln w="6350">
+            <a:solidFill>
+              <a:schemeClr val="tx1">
+                <a:lumMod val="50000"/>
+                <a:lumOff val="50000"/>
+                <a:alpha val="90000"/>
+              </a:schemeClr>
+            </a:solidFill>
+          </a:ln>
+        </p:spPr>
+        <p:style>
+          <a:lnRef idx="1">
+            <a:schemeClr val="accent1"/>
+          </a:lnRef>
+          <a:fillRef idx="0">
+            <a:schemeClr val="accent1"/>
+          </a:fillRef>
+          <a:effectRef idx="0">
+            <a:schemeClr val="accent1"/>
+          </a:effectRef>
+          <a:fontRef idx="minor">
+            <a:schemeClr val="tx1"/>
+          </a:fontRef>
+        </p:style>
+      </p:cxnSp>
+      <p:sp>
+        <p:nvSpPr>
+          <p:cNvPr id="3" name="Zástupný obsah 2">
+            <a:extLst>
+              <a:ext uri="{FF2B5EF4-FFF2-40B4-BE49-F238E27FC236}">
+                <a16:creationId xmlns:a16="http://schemas.microsoft.com/office/drawing/2014/main" id="{57B09D1D-4BC9-B4FA-00FC-C659C82BF87E}"/>
+              </a:ext>
+            </a:extLst>
+          </p:cNvPr>
+          <p:cNvSpPr>
+            <a:spLocks noGrp="1"/>
+          </p:cNvSpPr>
+          <p:nvPr>
+            <p:ph idx="1"/>
+          </p:nvPr>
+        </p:nvSpPr>
+        <p:spPr>
+          <a:xfrm>
+            <a:off x="5181601" y="2198914"/>
+            <a:ext cx="6368142" cy="3670180"/>
+          </a:xfrm>
+        </p:spPr>
+        <p:txBody>
+          <a:bodyPr vert="horz" lIns="0" tIns="45720" rIns="0" bIns="45720" rtlCol="0" anchor="t">
+            <a:normAutofit/>
+          </a:bodyPr>
+          <a:lstStyle/>
+          <a:p>
+            <a:r>
+              <a:rPr lang="cs-CZ" sz="1700" dirty="0">
+                <a:ea typeface="+mn-lt"/>
+                <a:cs typeface="+mn-lt"/>
+              </a:rPr>
+              <a:t> Architektura stojí na sadě instrukcí, které procesor obsahuje</a:t>
+            </a:r>
+          </a:p>
+          <a:p>
+            <a:r>
+              <a:rPr lang="cs-CZ" sz="1700" b="1" dirty="0">
+                <a:ea typeface="+mn-lt"/>
+                <a:cs typeface="+mn-lt"/>
+              </a:rPr>
+              <a:t>CISC </a:t>
+            </a:r>
+            <a:r>
+              <a:rPr lang="cs-CZ" sz="1700" dirty="0">
+                <a:ea typeface="+mn-lt"/>
+                <a:cs typeface="+mn-lt"/>
+              </a:rPr>
+              <a:t>- kompletní sada instrukcí</a:t>
+            </a:r>
+          </a:p>
+          <a:p>
+            <a:r>
+              <a:rPr lang="cs-CZ" sz="1700" b="1" dirty="0">
+                <a:ea typeface="+mn-lt"/>
+                <a:cs typeface="+mn-lt"/>
+              </a:rPr>
+              <a:t>RISC</a:t>
+            </a:r>
+            <a:r>
+              <a:rPr lang="cs-CZ" sz="1700" dirty="0">
+                <a:ea typeface="+mn-lt"/>
+                <a:cs typeface="+mn-lt"/>
+              </a:rPr>
+              <a:t> - redukovaná sada instrukcí (často specializovaná na příslušné zařízení)</a:t>
+            </a:r>
+          </a:p>
+          <a:p>
+            <a:endParaRPr lang="cs-CZ" sz="1700" b="1">
+              <a:ea typeface="+mn-lt"/>
+              <a:cs typeface="+mn-lt"/>
+            </a:endParaRPr>
+          </a:p>
+          <a:p>
+            <a:r>
+              <a:rPr lang="cs-CZ" sz="1700" b="1" dirty="0">
+                <a:ea typeface="+mn-lt"/>
+                <a:cs typeface="+mn-lt"/>
+              </a:rPr>
+              <a:t> X86 </a:t>
+            </a:r>
+            <a:r>
+              <a:rPr lang="cs-CZ" sz="1700" dirty="0">
+                <a:ea typeface="+mn-lt"/>
+                <a:cs typeface="+mn-lt"/>
+              </a:rPr>
+              <a:t> – počítače a notebooky (Intel, AMD) - CISC</a:t>
+            </a:r>
+            <a:br>
+              <a:rPr lang="cs-CZ" sz="1700" dirty="0">
+                <a:ea typeface="+mn-lt"/>
+                <a:cs typeface="+mn-lt"/>
+              </a:rPr>
+            </a:br>
+            <a:r>
+              <a:rPr lang="cs-CZ" sz="1700" dirty="0">
+                <a:ea typeface="+mn-lt"/>
+                <a:cs typeface="+mn-lt"/>
+              </a:rPr>
+              <a:t> </a:t>
+            </a:r>
+            <a:r>
+              <a:rPr lang="cs-CZ" sz="1700" b="1" dirty="0">
+                <a:ea typeface="+mn-lt"/>
+                <a:cs typeface="+mn-lt"/>
+              </a:rPr>
+              <a:t>ARM</a:t>
+            </a:r>
+            <a:r>
+              <a:rPr lang="cs-CZ" sz="1700" dirty="0">
+                <a:ea typeface="+mn-lt"/>
+                <a:cs typeface="+mn-lt"/>
+              </a:rPr>
+              <a:t> – mobily, tablety, </a:t>
+            </a:r>
+            <a:r>
+              <a:rPr lang="cs-CZ" sz="1700" dirty="0" err="1">
+                <a:ea typeface="+mn-lt"/>
+                <a:cs typeface="+mn-lt"/>
+              </a:rPr>
+              <a:t>IoT</a:t>
+            </a:r>
+            <a:r>
+              <a:rPr lang="cs-CZ" sz="1700" dirty="0">
+                <a:ea typeface="+mn-lt"/>
+                <a:cs typeface="+mn-lt"/>
+              </a:rPr>
+              <a:t>, Apple M1/M2 - RISC</a:t>
+            </a:r>
+            <a:br>
+              <a:rPr lang="cs-CZ" sz="1700" dirty="0">
+                <a:ea typeface="+mn-lt"/>
+                <a:cs typeface="+mn-lt"/>
+              </a:rPr>
+            </a:br>
+            <a:r>
+              <a:rPr lang="cs-CZ" sz="1700" dirty="0">
+                <a:ea typeface="+mn-lt"/>
+                <a:cs typeface="+mn-lt"/>
+              </a:rPr>
+              <a:t> </a:t>
+            </a:r>
+            <a:r>
+              <a:rPr lang="cs-CZ" sz="1700" b="1" dirty="0">
+                <a:ea typeface="+mn-lt"/>
+                <a:cs typeface="+mn-lt"/>
+              </a:rPr>
+              <a:t>RISC-V</a:t>
+            </a:r>
+            <a:r>
+              <a:rPr lang="cs-CZ" sz="1700" dirty="0">
+                <a:ea typeface="+mn-lt"/>
+                <a:cs typeface="+mn-lt"/>
+              </a:rPr>
+              <a:t> – otevřená architektura budoucnosti</a:t>
+            </a:r>
+            <a:endParaRPr lang="cs-CZ" sz="1700" dirty="0">
+              <a:ea typeface="Calibri" panose="020F0502020204030204"/>
+              <a:cs typeface="Calibri" panose="020F0502020204030204"/>
+            </a:endParaRPr>
+          </a:p>
+          <a:p>
+            <a:endParaRPr lang="cs-CZ" sz="1700">
+              <a:ea typeface="Calibri" panose="020F0502020204030204"/>
+              <a:cs typeface="Calibri" panose="020F0502020204030204"/>
+            </a:endParaRPr>
+          </a:p>
+          <a:p>
+            <a:r>
+              <a:rPr lang="cs-CZ" sz="1700" i="1" dirty="0">
+                <a:ea typeface="Calibri" panose="020F0502020204030204"/>
+                <a:cs typeface="Calibri" panose="020F0502020204030204"/>
+              </a:rPr>
+              <a:t>Proč má telefon jinou architekturu procesoru než PC? </a:t>
+            </a:r>
+          </a:p>
+          <a:p>
+            <a:endParaRPr lang="cs-CZ" sz="1700">
+              <a:ea typeface="Calibri" panose="020F0502020204030204"/>
+              <a:cs typeface="Calibri" panose="020F0502020204030204"/>
+            </a:endParaRPr>
+          </a:p>
+        </p:txBody>
+      </p:sp>
+    </p:spTree>
+    <p:extLst>
+      <p:ext uri="{BB962C8B-B14F-4D97-AF65-F5344CB8AC3E}">
+        <p14:creationId xmlns:p14="http://schemas.microsoft.com/office/powerpoint/2010/main" val="1719289132"/>
       </p:ext>
     </p:extLst>
   </p:cSld>
@@ -7503,8 +11051,8 @@
 </file>
 
 <file path=customXml/item3.xml><?xml version="1.0" encoding="utf-8"?>
-<ct:contentTypeSchema xmlns:ct="http://schemas.microsoft.com/office/2006/metadata/contentType" xmlns:ma="http://schemas.microsoft.com/office/2006/metadata/properties/metaAttributes" ct:_="" ma:_="" ma:contentTypeName="Dokument" ma:contentTypeID="0x01010052F7ECDF1E614946A5A39D5552BFC522" ma:contentTypeVersion="3" ma:contentTypeDescription="Vytvoří nový dokument" ma:contentTypeScope="" ma:versionID="5075b04c696d8e4e1044287e15cbfe0d">
-  <xsd:schema xmlns:xsd="http://www.w3.org/2001/XMLSchema" xmlns:xs="http://www.w3.org/2001/XMLSchema" xmlns:p="http://schemas.microsoft.com/office/2006/metadata/properties" xmlns:ns2="09a37b55-a4d7-45bd-a73f-33c2b1d41898" targetNamespace="http://schemas.microsoft.com/office/2006/metadata/properties" ma:root="true" ma:fieldsID="d414fa7318b96dcdb4c31e9e457c351e" ns2:_="">
+<ct:contentTypeSchema xmlns:ct="http://schemas.microsoft.com/office/2006/metadata/contentType" xmlns:ma="http://schemas.microsoft.com/office/2006/metadata/properties/metaAttributes" ct:_="" ma:_="" ma:contentTypeName="Dokument" ma:contentTypeID="0x01010052F7ECDF1E614946A5A39D5552BFC522" ma:contentTypeVersion="3" ma:contentTypeDescription="Vytvoří nový dokument" ma:contentTypeScope="" ma:versionID="46857a25b9010b327498af3a5b6eabd4">
+  <xsd:schema xmlns:xsd="http://www.w3.org/2001/XMLSchema" xmlns:xs="http://www.w3.org/2001/XMLSchema" xmlns:p="http://schemas.microsoft.com/office/2006/metadata/properties" xmlns:ns2="09a37b55-a4d7-45bd-a73f-33c2b1d41898" targetNamespace="http://schemas.microsoft.com/office/2006/metadata/properties" ma:root="true" ma:fieldsID="999ee9523eec8e49bb4a95950769a7f5" ns2:_="">
     <xsd:import namespace="09a37b55-a4d7-45bd-a73f-33c2b1d41898"/>
     <xsd:element name="properties">
       <xsd:complexType>
@@ -7665,19 +11213,19 @@
 </file>
 
 <file path=customXml/itemProps3.xml><?xml version="1.0" encoding="utf-8"?>
-<ds:datastoreItem xmlns:ds="http://schemas.openxmlformats.org/officeDocument/2006/customXml" ds:itemID="{438BD7EA-DB82-4FBE-B85E-AD10D61ABF31}">
+<ds:datastoreItem xmlns:ds="http://schemas.openxmlformats.org/officeDocument/2006/customXml" ds:itemID="{6E1A1E91-5587-4A77-9773-CA5195CF7C07}">
   <ds:schemaRefs>
+    <ds:schemaRef ds:uri="http://schemas.microsoft.com/office/2006/metadata/contentType"/>
+    <ds:schemaRef ds:uri="http://schemas.microsoft.com/office/2006/metadata/properties/metaAttributes"/>
+    <ds:schemaRef ds:uri="http://www.w3.org/2001/XMLSchema"/>
+    <ds:schemaRef ds:uri="http://schemas.microsoft.com/office/2006/metadata/properties"/>
     <ds:schemaRef ds:uri="09a37b55-a4d7-45bd-a73f-33c2b1d41898"/>
+    <ds:schemaRef ds:uri="http://schemas.microsoft.com/office/2006/documentManagement/types"/>
+    <ds:schemaRef ds:uri="http://schemas.microsoft.com/office/infopath/2007/PartnerControls"/>
+    <ds:schemaRef ds:uri="http://schemas.openxmlformats.org/package/2006/metadata/core-properties"/>
     <ds:schemaRef ds:uri="http://purl.org/dc/elements/1.1/"/>
     <ds:schemaRef ds:uri="http://purl.org/dc/terms/"/>
     <ds:schemaRef ds:uri="http://schemas.microsoft.com/internal/obd"/>
-    <ds:schemaRef ds:uri="http://schemas.microsoft.com/office/2006/documentManagement/types"/>
-    <ds:schemaRef ds:uri="http://schemas.microsoft.com/office/2006/metadata/contentType"/>
-    <ds:schemaRef ds:uri="http://schemas.microsoft.com/office/2006/metadata/properties"/>
-    <ds:schemaRef ds:uri="http://schemas.microsoft.com/office/2006/metadata/properties/metaAttributes"/>
-    <ds:schemaRef ds:uri="http://schemas.microsoft.com/office/infopath/2007/PartnerControls"/>
-    <ds:schemaRef ds:uri="http://schemas.openxmlformats.org/package/2006/metadata/core-properties"/>
-    <ds:schemaRef ds:uri="http://www.w3.org/2001/XMLSchema"/>
   </ds:schemaRefs>
 </ds:datastoreItem>
 </file>